--- a/_site/lectures/Lecture16/Lecture16.pptx
+++ b/_site/lectures/Lecture16/Lecture16.pptx
@@ -23,6 +23,9 @@
     <p:sldId id="271" r:id="rId17"/>
     <p:sldId id="272" r:id="rId18"/>
     <p:sldId id="273" r:id="rId19"/>
+    <p:sldId id="274" r:id="rId20"/>
+    <p:sldId id="275" r:id="rId21"/>
+    <p:sldId id="276" r:id="rId22"/>
   </p:sldIdLst>
   <p:sldSz cx="12192000" cy="6858000"/>
   <p:notesSz cx="6858000" cy="9144000"/>
@@ -5040,7 +5043,7 @@
             </a:pPr>
             <a:r>
               <a:rPr/>
-              <a:t>Module weighting and assessment</a:t>
+              <a:t>Essay 2</a:t>
             </a:r>
           </a:p>
         </p:txBody>
@@ -5071,7 +5074,7 @@
             </a:pPr>
             <a:r>
               <a:rPr/>
-              <a:t>Research Methods is a core module with a 30 credit weighting</a:t>
+              <a:t>Essay 2 should focus on at least one of the OTHER topics covered in the course.</a:t>
             </a:r>
           </a:p>
           <a:p>
@@ -5080,28 +5083,52 @@
             </a:pPr>
             <a:r>
               <a:rPr/>
-              <a:t>This means that in order to progress to Y3, you must pass all 3 assessment elements:</a:t>
-            </a:r>
-          </a:p>
-          <a:p>
-            <a:pPr lvl="0"/>
-            <a:r>
-              <a:rPr/>
-              <a:t>Critical Proposal 1,800 words (15%)</a:t>
-            </a:r>
-          </a:p>
-          <a:p>
-            <a:pPr lvl="0"/>
-            <a:r>
-              <a:rPr/>
-              <a:t>Mini-Dissertation 2,500 words (70%)</a:t>
-            </a:r>
-          </a:p>
-          <a:p>
-            <a:pPr lvl="0"/>
-            <a:r>
-              <a:rPr/>
-              <a:t>CHIP Learning Log 1,200 words (15%)</a:t>
+              <a:t>This answer should focus on a primary reading associated with the lectures and then any further reading you have done (strongly encouraged).</a:t>
+            </a:r>
+          </a:p>
+          <a:p>
+            <a:pPr lvl="0" indent="0" marL="0">
+              <a:buNone/>
+            </a:pPr>
+            <a:r>
+              <a:rPr/>
+              <a:t>You must identify that primary reading explicitly in the essay itself.</a:t>
+            </a:r>
+          </a:p>
+          <a:p>
+            <a:pPr lvl="0" indent="0" marL="0">
+              <a:buNone/>
+            </a:pPr>
+            <a:r>
+              <a:rPr/>
+              <a:t>You should not simply restate what the authors thought or found, but rather briefly summarise the point that stimulated your interest in the reading and use that as a springboard to discuss the topic or issue.</a:t>
+            </a:r>
+          </a:p>
+          <a:p>
+            <a:pPr lvl="0" indent="0" marL="0">
+              <a:buNone/>
+            </a:pPr>
+            <a:r>
+              <a:rPr/>
+              <a:t>Think about your perspective on the issues.</a:t>
+            </a:r>
+          </a:p>
+          <a:p>
+            <a:pPr lvl="0" indent="0" marL="0">
+              <a:buNone/>
+            </a:pPr>
+            <a:r>
+              <a:rPr/>
+              <a:t>What do you think about this debate or issue? We want to know!</a:t>
+            </a:r>
+          </a:p>
+          <a:p>
+            <a:pPr lvl="0" indent="0" marL="0">
+              <a:buNone/>
+            </a:pPr>
+            <a:r>
+              <a:rPr/>
+              <a:t>And what do you think are interesting directions for psychologists to take this debate or issue in the future?</a:t>
             </a:r>
           </a:p>
         </p:txBody>
@@ -5162,7 +5189,7 @@
             </a:pPr>
             <a:r>
               <a:rPr/>
-              <a:t>A friendly warning</a:t>
+              <a:t>Essay 2 tips</a:t>
             </a:r>
           </a:p>
         </p:txBody>
@@ -5188,21 +5215,57 @@
           <a:bodyPr/>
           <a:lstStyle/>
           <a:p>
-            <a:pPr lvl="0" indent="0" marL="1270000">
-              <a:buNone/>
-            </a:pPr>
-            <a:r>
-              <a:rPr sz="2000" b="1"/>
-              <a:t>Warning</a:t>
-            </a:r>
-          </a:p>
-          <a:p>
-            <a:pPr lvl="0" indent="0" marL="1270000">
-              <a:buNone/>
-            </a:pPr>
-            <a:r>
-              <a:rPr sz="2000"/>
-              <a:t>All coursework is INDIVIDUAL and subject to normal plagiarism and collusion rules</a:t>
+            <a:pPr lvl="0" indent="0" marL="0">
+              <a:buNone/>
+            </a:pPr>
+            <a:r>
+              <a:rPr/>
+              <a:t>Explicitly identify a single initial reading and build upon that.</a:t>
+            </a:r>
+          </a:p>
+          <a:p>
+            <a:pPr lvl="0" indent="0" marL="0">
+              <a:buNone/>
+            </a:pPr>
+            <a:r>
+              <a:rPr/>
+              <a:t>Discuss a debate or issue that you think is interesting or important</a:t>
+            </a:r>
+          </a:p>
+          <a:p>
+            <a:pPr lvl="0" indent="0" marL="0">
+              <a:buNone/>
+            </a:pPr>
+            <a:r>
+              <a:rPr/>
+              <a:t>Give your own opinion and how this has developed or changed as a result of the lecture, the course more widely, and/or the reading.</a:t>
+            </a:r>
+          </a:p>
+          <a:p>
+            <a:pPr lvl="0" indent="0" marL="0">
+              <a:buNone/>
+            </a:pPr>
+            <a:r>
+              <a:rPr/>
+              <a:t>Argue your opinion explicitly, own it and back it up with examples</a:t>
+            </a:r>
+          </a:p>
+          <a:p>
+            <a:pPr lvl="0" indent="0" marL="0">
+              <a:buNone/>
+            </a:pPr>
+            <a:r>
+              <a:rPr/>
+              <a:t>Use evidence in your argument from a range of sources, ideally do some strategic wider reading</a:t>
+            </a:r>
+          </a:p>
+          <a:p>
+            <a:pPr lvl="0" indent="0" marL="0">
+              <a:buNone/>
+            </a:pPr>
+            <a:r>
+              <a:rPr/>
+              <a:t>Present and reference it well</a:t>
             </a:r>
           </a:p>
         </p:txBody>
@@ -5263,7 +5326,7 @@
             </a:pPr>
             <a:r>
               <a:rPr/>
-              <a:t>Module structure</a:t>
+              <a:t>Overlapping content</a:t>
             </a:r>
           </a:p>
         </p:txBody>
@@ -5294,7 +5357,7 @@
             </a:pPr>
             <a:r>
               <a:rPr/>
-              <a:t>1 x 1 hr Lecture per week (Monday)</a:t>
+              <a:t>You can combine across different topics in Essay 2 (e.g., you could talk about Evolution and Consciousness, or Inclusivity and Meta Learning), and thinking about links between topics is strongly encouraged.</a:t>
             </a:r>
           </a:p>
           <a:p>
@@ -5303,16 +5366,7 @@
             </a:pPr>
             <a:r>
               <a:rPr/>
-              <a:t>1 x 2 hr Lab per week (Tuesday)</a:t>
-            </a:r>
-          </a:p>
-          <a:p>
-            <a:pPr lvl="0" indent="0" marL="0">
-              <a:buNone/>
-            </a:pPr>
-            <a:r>
-              <a:rPr/>
-              <a:t>4 x Personal Tutor meetings across the year</a:t>
+              <a:t>However, the material covered in Essay 2 must be different from Essay 1. Students will be penalised for covering identical topics.</a:t>
             </a:r>
           </a:p>
         </p:txBody>
@@ -5373,7 +5427,7 @@
             </a:pPr>
             <a:r>
               <a:rPr/>
-              <a:t>Weekly Structure</a:t>
+              <a:t>Submission</a:t>
             </a:r>
           </a:p>
         </p:txBody>
@@ -5404,15 +5458,7 @@
             </a:pPr>
             <a:r>
               <a:rPr/>
-              <a:t>Each week there will be a very brief ‘</a:t>
-            </a:r>
-            <a:r>
-              <a:rPr b="1"/>
-              <a:t>Prelude</a:t>
-            </a:r>
-            <a:r>
-              <a:rPr/>
-              <a:t>’ designed to introduce one of the main topics of the week</a:t>
+              <a:t>Deadline is 10am Friday 21st April – ±3 weeks after the end of term</a:t>
             </a:r>
           </a:p>
           <a:p>
@@ -5420,12 +5466,8 @@
               <a:buNone/>
             </a:pPr>
             <a:r>
-              <a:rPr b="1"/>
-              <a:t>Lecture</a:t>
-            </a:r>
-            <a:r>
-              <a:rPr/>
-              <a:t> (slides and recording posted afterwards)</a:t>
+              <a:rPr/>
+              <a:t>Both answers should be written in essay-style prose (e.g., with APA references where you refer to sources) put in a single document and submitted to the coursework submission page.</a:t>
             </a:r>
           </a:p>
           <a:p>
@@ -5433,44 +5475,8 @@
               <a:buNone/>
             </a:pPr>
             <a:r>
-              <a:rPr b="1"/>
-              <a:t>Lab Activity</a:t>
-            </a:r>
-          </a:p>
-          <a:p>
-            <a:pPr lvl="0"/>
-            <a:r>
-              <a:rPr b="1"/>
-              <a:t>‘Pulse’</a:t>
-            </a:r>
-            <a:r>
-              <a:rPr/>
-              <a:t> taken on entry - 2 minute quiz</a:t>
-            </a:r>
-          </a:p>
-          <a:p>
-            <a:pPr lvl="0"/>
-            <a:r>
-              <a:rPr b="1"/>
-              <a:t>Lab Notebook</a:t>
-            </a:r>
-            <a:r>
-              <a:rPr/>
-              <a:t> with brief ‘generative activities’ and opportunities for metacognitive reflection</a:t>
-            </a:r>
-          </a:p>
-          <a:p>
-            <a:pPr lvl="0"/>
-            <a:r>
-              <a:rPr/>
-              <a:t>Extras provided around skills or applications or just interesting factoids</a:t>
-            </a:r>
-          </a:p>
-          <a:p>
-            <a:pPr lvl="0"/>
-            <a:r>
-              <a:rPr/>
-              <a:t>Lots can be achieved in the labs, but independent study and coordinated group work will be required</a:t>
+              <a:rPr/>
+              <a:t>Max 700 words per answer (references not included in word count)</a:t>
             </a:r>
           </a:p>
           <a:p>
@@ -5479,7 +5485,7 @@
             </a:pPr>
             <a:r>
               <a:rPr/>
-              <a:t>NO EXAM</a:t>
+              <a:t>Remember that this only accounts for a smaller portion of the module grade (15%). Should hopefully be an enjoyable way to reflect on issues on the course you found interesting.</a:t>
             </a:r>
           </a:p>
         </p:txBody>
@@ -5506,76 +5512,36 @@
           <a:chExt cx="0" cy="0"/>
         </a:xfrm>
       </p:grpSpPr>
-      <p:sp>
-        <p:nvSpPr>
-          <p:cNvPr id="2" name="Title 1">
-            <a:extLst>
-              <a:ext uri="{FF2B5EF4-FFF2-40B4-BE49-F238E27FC236}">
-                <a16:creationId xmlns:a16="http://schemas.microsoft.com/office/drawing/2014/main" id="{DD9B8E45-0772-954C-8D4B-6E6808DFEDED}"/>
-              </a:ext>
-            </a:extLst>
-          </p:cNvPr>
-          <p:cNvSpPr>
-            <a:spLocks noGrp="1"/>
-          </p:cNvSpPr>
-          <p:nvPr>
-            <p:ph type="title"/>
-          </p:nvPr>
-        </p:nvSpPr>
-        <p:spPr>
+      <p:pic>
+        <p:nvPicPr>
+          <p:cNvPr descr="images/image-438781598.png" id="0" name="Picture 1"/>
+          <p:cNvPicPr>
+            <a:picLocks noGrp="1" noChangeAspect="1"/>
+          </p:cNvPicPr>
+          <p:nvPr/>
+        </p:nvPicPr>
+        <p:blipFill>
+          <a:blip r:embed="rId2"/>
+          <a:stretch>
+            <a:fillRect/>
+          </a:stretch>
+        </p:blipFill>
+        <p:spPr bwMode="auto">
           <a:xfrm>
-            <a:off x="838200" y="365129"/>
-            <a:ext cx="10002520" cy="1325563"/>
+            <a:off x="2082800" y="1816100"/>
+            <a:ext cx="8013700" cy="4343400"/>
           </a:xfrm>
           <a:prstGeom prst="rect">
             <a:avLst/>
           </a:prstGeom>
+          <a:noFill/>
+          <a:ln w="9525">
+            <a:noFill/>
+            <a:headEnd/>
+            <a:tailEnd/>
+          </a:ln>
         </p:spPr>
-        <p:txBody>
-          <a:bodyPr/>
-          <a:lstStyle/>
-          <a:p>
-            <a:pPr lvl="0" indent="0" marL="0">
-              <a:buNone/>
-            </a:pPr>
-            <a:r>
-              <a:rPr/>
-              <a:t>Coursework</a:t>
-            </a:r>
-          </a:p>
-        </p:txBody>
-      </p:sp>
-      <p:sp>
-        <p:nvSpPr>
-          <p:cNvPr id="3" name="Content Placeholder 2">
-            <a:extLst>
-              <a:ext uri="{FF2B5EF4-FFF2-40B4-BE49-F238E27FC236}">
-                <a16:creationId xmlns:a16="http://schemas.microsoft.com/office/drawing/2014/main" id="{A4EB24F9-04F1-C843-9D71-56C5C024552B}"/>
-              </a:ext>
-            </a:extLst>
-          </p:cNvPr>
-          <p:cNvSpPr>
-            <a:spLocks noGrp="1"/>
-          </p:cNvSpPr>
-          <p:nvPr>
-            <p:ph idx="1"/>
-          </p:nvPr>
-        </p:nvSpPr>
-        <p:spPr/>
-        <p:txBody>
-          <a:bodyPr/>
-          <a:lstStyle/>
-          <a:p>
-            <a:pPr lvl="0" indent="0" marL="0">
-              <a:buNone/>
-            </a:pPr>
-            <a:r>
-              <a:rPr/>
-              <a:t>The courseworks ALL require critical reflection and metacognitive practice. This will be discussed in a number of lectures, but it contributes to effective learning and your integration of the skills and experience of doing this research exercise.</a:t>
-            </a:r>
-          </a:p>
-        </p:txBody>
-      </p:sp>
+      </p:pic>
     </p:spTree>
   </p:cSld>
 </p:sld>
@@ -5598,103 +5564,36 @@
           <a:chExt cx="0" cy="0"/>
         </a:xfrm>
       </p:grpSpPr>
-      <p:sp>
-        <p:nvSpPr>
-          <p:cNvPr id="2" name="Title 1">
-            <a:extLst>
-              <a:ext uri="{FF2B5EF4-FFF2-40B4-BE49-F238E27FC236}">
-                <a16:creationId xmlns:a16="http://schemas.microsoft.com/office/drawing/2014/main" id="{DD9B8E45-0772-954C-8D4B-6E6808DFEDED}"/>
-              </a:ext>
-            </a:extLst>
-          </p:cNvPr>
-          <p:cNvSpPr>
-            <a:spLocks noGrp="1"/>
-          </p:cNvSpPr>
-          <p:nvPr>
-            <p:ph type="title"/>
-          </p:nvPr>
-        </p:nvSpPr>
-        <p:spPr>
+      <p:pic>
+        <p:nvPicPr>
+          <p:cNvPr descr="images/image-886653608.png" id="0" name="Picture 1"/>
+          <p:cNvPicPr>
+            <a:picLocks noGrp="1" noChangeAspect="1"/>
+          </p:cNvPicPr>
+          <p:nvPr/>
+        </p:nvPicPr>
+        <p:blipFill>
+          <a:blip r:embed="rId2"/>
+          <a:stretch>
+            <a:fillRect/>
+          </a:stretch>
+        </p:blipFill>
+        <p:spPr bwMode="auto">
           <a:xfrm>
-            <a:off x="838200" y="365129"/>
-            <a:ext cx="10002520" cy="1325563"/>
+            <a:off x="1600200" y="1816100"/>
+            <a:ext cx="8978900" cy="4343400"/>
           </a:xfrm>
           <a:prstGeom prst="rect">
             <a:avLst/>
           </a:prstGeom>
+          <a:noFill/>
+          <a:ln w="9525">
+            <a:noFill/>
+            <a:headEnd/>
+            <a:tailEnd/>
+          </a:ln>
         </p:spPr>
-        <p:txBody>
-          <a:bodyPr/>
-          <a:lstStyle/>
-          <a:p>
-            <a:pPr lvl="0" indent="0" marL="0">
-              <a:buNone/>
-            </a:pPr>
-            <a:r>
-              <a:rPr/>
-              <a:t>Time management and teamwork</a:t>
-            </a:r>
-          </a:p>
-        </p:txBody>
-      </p:sp>
-      <p:sp>
-        <p:nvSpPr>
-          <p:cNvPr id="3" name="Content Placeholder 2">
-            <a:extLst>
-              <a:ext uri="{FF2B5EF4-FFF2-40B4-BE49-F238E27FC236}">
-                <a16:creationId xmlns:a16="http://schemas.microsoft.com/office/drawing/2014/main" id="{A4EB24F9-04F1-C843-9D71-56C5C024552B}"/>
-              </a:ext>
-            </a:extLst>
-          </p:cNvPr>
-          <p:cNvSpPr>
-            <a:spLocks noGrp="1"/>
-          </p:cNvSpPr>
-          <p:nvPr>
-            <p:ph idx="1"/>
-          </p:nvPr>
-        </p:nvSpPr>
-        <p:spPr/>
-        <p:txBody>
-          <a:bodyPr/>
-          <a:lstStyle/>
-          <a:p>
-            <a:pPr lvl="0" indent="0" marL="0">
-              <a:buNone/>
-            </a:pPr>
-            <a:r>
-              <a:rPr/>
-              <a:t>..will both be required.</a:t>
-            </a:r>
-          </a:p>
-          <a:p>
-            <a:pPr lvl="0" indent="0" marL="0">
-              <a:buNone/>
-            </a:pPr>
-            <a:r>
-              <a:rPr/>
-              <a:t>I ask you to see both as an opportunity to develop these important skills.</a:t>
-            </a:r>
-          </a:p>
-          <a:p>
-            <a:pPr lvl="0" indent="0" marL="0">
-              <a:buNone/>
-            </a:pPr>
-            <a:r>
-              <a:rPr/>
-              <a:t>You will see we have some ideas to make this more relevant to careers and employability</a:t>
-            </a:r>
-          </a:p>
-          <a:p>
-            <a:pPr lvl="0" indent="0" marL="0">
-              <a:buNone/>
-            </a:pPr>
-            <a:r>
-              <a:rPr/>
-              <a:t>It is easier to ‘keep up than to catch up’.</a:t>
-            </a:r>
-          </a:p>
-        </p:txBody>
-      </p:sp>
+      </p:pic>
     </p:spTree>
   </p:cSld>
 </p:sld>
@@ -5751,7 +5650,7 @@
             </a:pPr>
             <a:r>
               <a:rPr/>
-              <a:t>Resources</a:t>
+              <a:t>Incremental content</a:t>
             </a:r>
           </a:p>
         </p:txBody>
@@ -5781,8 +5680,8 @@
               <a:buNone/>
             </a:pPr>
             <a:r>
-              <a:rPr/>
-              <a:t>We will be releasing a series of valuable resources to help you through every step of the process</a:t>
+              <a:rPr i="1"/>
+              <a:t>Hi!</a:t>
             </a:r>
           </a:p>
           <a:p>
@@ -5791,7 +5690,7 @@
             </a:pPr>
             <a:r>
               <a:rPr/>
-              <a:t>These will have value for your final year dissertation too.</a:t>
+              <a:t>. . .</a:t>
             </a:r>
           </a:p>
           <a:p>
@@ -5800,7 +5699,17 @@
             </a:pPr>
             <a:r>
               <a:rPr/>
-              <a:t>Contribution to and comment on these is welcome and hoped for!</a:t>
+              <a:t>Use </a:t>
+            </a:r>
+            <a:r>
+              <a:rPr>
+                <a:latin typeface="Courier"/>
+              </a:rPr>
+              <a:t>. . .</a:t>
+            </a:r>
+            <a:r>
+              <a:rPr/>
+              <a:t> to separate content as an incremental slide!</a:t>
             </a:r>
           </a:p>
           <a:p>
@@ -5809,7 +5718,7 @@
             </a:pPr>
             <a:r>
               <a:rPr/>
-              <a:t>Open Educational Resources will be used extensively, and most core readings are available online via the library.</a:t>
+              <a:t>. . .</a:t>
             </a:r>
           </a:p>
         </p:txBody>
@@ -5870,7 +5779,7 @@
             </a:pPr>
             <a:r>
               <a:rPr/>
-              <a:t>Prelude 1</a:t>
+              <a:t>Numbers</a:t>
             </a:r>
           </a:p>
         </p:txBody>
@@ -5896,12 +5805,48 @@
           <a:bodyPr/>
           <a:lstStyle/>
           <a:p>
-            <a:pPr lvl="0" indent="0" marL="0">
-              <a:buNone/>
-            </a:pPr>
-            <a:r>
-              <a:rPr/>
-              <a:t>We are starting off very easy. A short questionnaire to allow us to get to know you a little better, which we will use to develop the first lecture, and the course more generally.</a:t>
+            <a:pPr lvl="0" indent="-257175" marL="257175">
+              <a:buAutoNum type="arabicPeriod"/>
+            </a:pPr>
+            <a:r>
+              <a:rPr b="1"/>
+              <a:t>thing 1 bold</a:t>
+            </a:r>
+          </a:p>
+          <a:p>
+            <a:pPr lvl="0" indent="-257175" marL="257175">
+              <a:buAutoNum type="arabicPeriod"/>
+            </a:pPr>
+            <a:r>
+              <a:rPr i="1"/>
+              <a:t>thing 2 ital</a:t>
+            </a:r>
+          </a:p>
+          <a:p>
+            <a:pPr lvl="0" indent="-257175" marL="257175">
+              <a:buAutoNum type="arabicPeriod"/>
+            </a:pPr>
+            <a:r>
+              <a:rPr strike="sngStrike"/>
+              <a:t>thing 3 strikeout</a:t>
+            </a:r>
+          </a:p>
+          <a:p>
+            <a:pPr lvl="0" indent="-257175" marL="257175">
+              <a:buAutoNum type="arabicPeriod"/>
+            </a:pPr>
+            <a:r>
+              <a:rPr u="sng"/>
+              <a:t>underlined</a:t>
+            </a:r>
+          </a:p>
+          <a:p>
+            <a:pPr lvl="0" indent="-257175" marL="257175">
+              <a:buAutoNum type="arabicPeriod"/>
+            </a:pPr>
+            <a:r>
+              <a:rPr/>
+              <a:t>normal</a:t>
             </a:r>
           </a:p>
         </p:txBody>
@@ -5962,7 +5907,7 @@
             </a:pPr>
             <a:r>
               <a:rPr/>
-              <a:t>Thank you for your time</a:t>
+              <a:t>Incremental list</a:t>
             </a:r>
           </a:p>
         </p:txBody>
@@ -5988,21 +5933,166 @@
           <a:bodyPr/>
           <a:lstStyle/>
           <a:p>
+            <a:pPr lvl="0"/>
+            <a:r>
+              <a:rPr/>
+              <a:t>one</a:t>
+            </a:r>
+          </a:p>
+          <a:p>
+            <a:pPr lvl="0"/>
+            <a:r>
+              <a:rPr/>
+              <a:t>two</a:t>
+            </a:r>
+          </a:p>
+          <a:p>
+            <a:pPr lvl="0"/>
+            <a:r>
+              <a:rPr/>
+              <a:t>three</a:t>
+            </a:r>
+          </a:p>
+        </p:txBody>
+      </p:sp>
+    </p:spTree>
+  </p:cSld>
+</p:sld>
+</file>
+
+<file path=ppt/slides/slide19.xml><?xml version="1.0" encoding="utf-8"?>
+<p:sld xmlns:a="http://schemas.openxmlformats.org/drawingml/2006/main" xmlns:r="http://schemas.openxmlformats.org/officeDocument/2006/relationships" xmlns:p="http://schemas.openxmlformats.org/presentationml/2006/main">
+  <p:cSld>
+    <p:spTree>
+      <p:nvGrpSpPr>
+        <p:cNvPr id="1" name=""/>
+        <p:cNvGrpSpPr/>
+        <p:nvPr/>
+      </p:nvGrpSpPr>
+      <p:grpSpPr>
+        <a:xfrm>
+          <a:off x="0" y="0"/>
+          <a:ext cx="0" cy="0"/>
+          <a:chOff x="0" y="0"/>
+          <a:chExt cx="0" cy="0"/>
+        </a:xfrm>
+      </p:grpSpPr>
+      <p:sp>
+        <p:nvSpPr>
+          <p:cNvPr id="2" name="Title 1">
+            <a:extLst>
+              <a:ext uri="{FF2B5EF4-FFF2-40B4-BE49-F238E27FC236}">
+                <a16:creationId xmlns:a16="http://schemas.microsoft.com/office/drawing/2014/main" id="{DD9B8E45-0772-954C-8D4B-6E6808DFEDED}"/>
+              </a:ext>
+            </a:extLst>
+          </p:cNvPr>
+          <p:cNvSpPr>
+            <a:spLocks noGrp="1"/>
+          </p:cNvSpPr>
+          <p:nvPr>
+            <p:ph type="title"/>
+          </p:nvPr>
+        </p:nvSpPr>
+        <p:spPr>
+          <a:xfrm>
+            <a:off x="838200" y="365129"/>
+            <a:ext cx="10002520" cy="1325563"/>
+          </a:xfrm>
+          <a:prstGeom prst="rect">
+            <a:avLst/>
+          </a:prstGeom>
+        </p:spPr>
+        <p:txBody>
+          <a:bodyPr/>
+          <a:lstStyle/>
+          <a:p>
             <a:pPr lvl="0" indent="0" marL="0">
               <a:buNone/>
             </a:pPr>
             <a:r>
               <a:rPr/>
-              <a:t>And have an amazing year!</a:t>
-            </a:r>
-          </a:p>
-          <a:p>
-            <a:pPr lvl="0" indent="0" marL="0">
-              <a:buNone/>
-            </a:pPr>
-            <a:r>
-              <a:rPr/>
-              <a:t>The Research Methods Team</a:t>
+              <a:t>Print</a:t>
+            </a:r>
+          </a:p>
+        </p:txBody>
+      </p:sp>
+      <p:sp>
+        <p:nvSpPr>
+          <p:cNvPr id="3" name="Content Placeholder 2">
+            <a:extLst>
+              <a:ext uri="{FF2B5EF4-FFF2-40B4-BE49-F238E27FC236}">
+                <a16:creationId xmlns:a16="http://schemas.microsoft.com/office/drawing/2014/main" id="{A4EB24F9-04F1-C843-9D71-56C5C024552B}"/>
+              </a:ext>
+            </a:extLst>
+          </p:cNvPr>
+          <p:cNvSpPr>
+            <a:spLocks noGrp="1"/>
+          </p:cNvSpPr>
+          <p:nvPr>
+            <p:ph idx="1"/>
+          </p:nvPr>
+        </p:nvSpPr>
+        <p:spPr/>
+        <p:txBody>
+          <a:bodyPr/>
+          <a:lstStyle/>
+          <a:p>
+            <a:pPr lvl="0" indent="0">
+              <a:buNone/>
+            </a:pPr>
+            <a:r>
+              <a:rPr>
+                <a:solidFill>
+                  <a:srgbClr val="003B4F"/>
+                </a:solidFill>
+                <a:latin typeface="Courier"/>
+              </a:rPr>
+              <a:t>pagedown</a:t>
+            </a:r>
+            <a:r>
+              <a:rPr>
+                <a:solidFill>
+                  <a:srgbClr val="5E5E5E"/>
+                </a:solidFill>
+                <a:latin typeface="Courier"/>
+              </a:rPr>
+              <a:t>::</a:t>
+            </a:r>
+            <a:r>
+              <a:rPr>
+                <a:solidFill>
+                  <a:srgbClr val="4758AB"/>
+                </a:solidFill>
+                <a:latin typeface="Courier"/>
+              </a:rPr>
+              <a:t>chrome_print</a:t>
+            </a:r>
+            <a:r>
+              <a:rPr>
+                <a:solidFill>
+                  <a:srgbClr val="003B4F"/>
+                </a:solidFill>
+                <a:latin typeface="Courier"/>
+              </a:rPr>
+              <a:t>(</a:t>
+            </a:r>
+            <a:r>
+              <a:rPr>
+                <a:solidFill>
+                  <a:srgbClr val="20794D"/>
+                </a:solidFill>
+                <a:latin typeface="Courier"/>
+              </a:rPr>
+              <a:t>"path-to-file.html"</a:t>
+            </a:r>
+            <a:r>
+              <a:rPr>
+                <a:solidFill>
+                  <a:srgbClr val="003B4F"/>
+                </a:solidFill>
+                <a:latin typeface="Courier"/>
+              </a:rPr>
+              <a:t>)</a:t>
             </a:r>
           </a:p>
         </p:txBody>
@@ -6073,6 +6163,192 @@
 </p:sld>
 </file>
 
+<file path=ppt/slides/slide20.xml><?xml version="1.0" encoding="utf-8"?>
+<p:sld xmlns:a="http://schemas.openxmlformats.org/drawingml/2006/main" xmlns:r="http://schemas.openxmlformats.org/officeDocument/2006/relationships" xmlns:p="http://schemas.openxmlformats.org/presentationml/2006/main">
+  <p:cSld>
+    <p:spTree>
+      <p:nvGrpSpPr>
+        <p:cNvPr id="1" name=""/>
+        <p:cNvGrpSpPr/>
+        <p:nvPr/>
+      </p:nvGrpSpPr>
+      <p:grpSpPr>
+        <a:xfrm>
+          <a:off x="0" y="0"/>
+          <a:ext cx="0" cy="0"/>
+          <a:chOff x="0" y="0"/>
+          <a:chExt cx="0" cy="0"/>
+        </a:xfrm>
+      </p:grpSpPr>
+      <p:sp>
+        <p:nvSpPr>
+          <p:cNvPr id="2" name="Title 1">
+            <a:extLst>
+              <a:ext uri="{FF2B5EF4-FFF2-40B4-BE49-F238E27FC236}">
+                <a16:creationId xmlns:a16="http://schemas.microsoft.com/office/drawing/2014/main" id="{FF6A6CB2-D1B6-B94A-84C1-83C65423C650}"/>
+              </a:ext>
+            </a:extLst>
+          </p:cNvPr>
+          <p:cNvSpPr>
+            <a:spLocks noGrp="1"/>
+          </p:cNvSpPr>
+          <p:nvPr>
+            <p:ph type="title"/>
+          </p:nvPr>
+        </p:nvSpPr>
+        <p:spPr>
+          <a:xfrm>
+            <a:off x="831851" y="1709742"/>
+            <a:ext cx="10515600" cy="2852737"/>
+          </a:xfrm>
+          <a:prstGeom prst="rect">
+            <a:avLst/>
+          </a:prstGeom>
+        </p:spPr>
+        <p:txBody>
+          <a:bodyPr/>
+          <a:lstStyle/>
+          <a:p>
+            <a:pPr lvl="0" indent="0" marL="0">
+              <a:buNone/>
+            </a:pPr>
+            <a:r>
+              <a:rPr/>
+              <a:t>another section</a:t>
+            </a:r>
+          </a:p>
+        </p:txBody>
+      </p:sp>
+    </p:spTree>
+  </p:cSld>
+</p:sld>
+</file>
+
+<file path=ppt/slides/slide21.xml><?xml version="1.0" encoding="utf-8"?>
+<p:sld xmlns:a="http://schemas.openxmlformats.org/drawingml/2006/main" xmlns:r="http://schemas.openxmlformats.org/officeDocument/2006/relationships" xmlns:p="http://schemas.openxmlformats.org/presentationml/2006/main">
+  <p:cSld>
+    <p:spTree>
+      <p:nvGrpSpPr>
+        <p:cNvPr id="1" name=""/>
+        <p:cNvGrpSpPr/>
+        <p:nvPr/>
+      </p:nvGrpSpPr>
+      <p:grpSpPr>
+        <a:xfrm>
+          <a:off x="0" y="0"/>
+          <a:ext cx="0" cy="0"/>
+          <a:chOff x="0" y="0"/>
+          <a:chExt cx="0" cy="0"/>
+        </a:xfrm>
+      </p:grpSpPr>
+      <p:sp>
+        <p:nvSpPr>
+          <p:cNvPr id="3" name="Content Placeholder 2">
+            <a:extLst>
+              <a:ext uri="{FF2B5EF4-FFF2-40B4-BE49-F238E27FC236}">
+                <a16:creationId xmlns:a16="http://schemas.microsoft.com/office/drawing/2014/main" id="{A4EB24F9-04F1-C843-9D71-56C5C024552B}"/>
+              </a:ext>
+            </a:extLst>
+          </p:cNvPr>
+          <p:cNvSpPr>
+            <a:spLocks noGrp="1"/>
+          </p:cNvSpPr>
+          <p:nvPr>
+            <p:ph idx="1"/>
+          </p:nvPr>
+        </p:nvSpPr>
+        <p:spPr/>
+        <p:txBody>
+          <a:bodyPr/>
+          <a:lstStyle/>
+          <a:p>
+            <a:pPr lvl="0" indent="0" marL="0">
+              <a:buNone/>
+            </a:pPr>
+            <a:r>
+              <a:rPr/>
+              <a:t>Fade in</a:t>
+            </a:r>
+          </a:p>
+          <a:p>
+            <a:pPr lvl="0" indent="0" marL="0">
+              <a:buNone/>
+            </a:pPr>
+            <a:r>
+              <a:rPr/>
+              <a:t>Highlight firtst</a:t>
+            </a:r>
+          </a:p>
+          <a:p>
+            <a:pPr lvl="0" indent="0" marL="0">
+              <a:buNone/>
+            </a:pPr>
+            <a:r>
+              <a:rPr/>
+              <a:t>Highlight second</a:t>
+            </a:r>
+          </a:p>
+          <a:p>
+            <a:pPr lvl="0" indent="0" marL="0">
+              <a:buNone/>
+            </a:pPr>
+            <a:r>
+              <a:rPr/>
+              <a:t>Additional commentary.</a:t>
+            </a:r>
+          </a:p>
+          <a:p>
+            <a:pPr lvl="0" indent="0" marL="0">
+              <a:buNone/>
+            </a:pPr>
+            <a:r>
+              <a:rPr/>
+              <a:t>Highlight third</a:t>
+            </a:r>
+          </a:p>
+          <a:p>
+            <a:pPr lvl="0" indent="0" marL="0">
+              <a:buNone/>
+            </a:pPr>
+            <a:r>
+              <a:rPr/>
+              <a:t>Fade out</a:t>
+            </a:r>
+          </a:p>
+          <a:p>
+            <a:pPr lvl="0" indent="0" marL="0">
+              <a:buNone/>
+            </a:pPr>
+            <a:r>
+              <a:rPr/>
+              <a:t>Highlight red</a:t>
+            </a:r>
+          </a:p>
+          <a:p>
+            <a:pPr lvl="0" indent="0" marL="0">
+              <a:buNone/>
+            </a:pPr>
+            <a:r>
+              <a:rPr/>
+              <a:t>Fade in, then out</a:t>
+            </a:r>
+          </a:p>
+          <a:p>
+            <a:pPr lvl="0" indent="0" marL="0">
+              <a:buNone/>
+            </a:pPr>
+            <a:r>
+              <a:rPr/>
+              <a:t>Slide up while fading in</a:t>
+            </a:r>
+          </a:p>
+        </p:txBody>
+      </p:sp>
+    </p:spTree>
+  </p:cSld>
+</p:sld>
+</file>
+
 <file path=ppt/slides/slide3.xml><?xml version="1.0" encoding="utf-8"?>
 <p:sld xmlns:a="http://schemas.openxmlformats.org/drawingml/2006/main" xmlns:r="http://schemas.openxmlformats.org/officeDocument/2006/relationships" xmlns:p="http://schemas.openxmlformats.org/presentationml/2006/main">
   <p:cSld>
@@ -6092,18 +6368,57 @@
       </p:grpSpPr>
       <p:sp>
         <p:nvSpPr>
+          <p:cNvPr id="2" name="Title 1">
+            <a:extLst>
+              <a:ext uri="{FF2B5EF4-FFF2-40B4-BE49-F238E27FC236}">
+                <a16:creationId xmlns:a16="http://schemas.microsoft.com/office/drawing/2014/main" id="{DD9B8E45-0772-954C-8D4B-6E6808DFEDED}"/>
+              </a:ext>
+            </a:extLst>
+          </p:cNvPr>
+          <p:cNvSpPr>
+            <a:spLocks noGrp="1"/>
+          </p:cNvSpPr>
+          <p:nvPr>
+            <p:ph type="title"/>
+          </p:nvPr>
+        </p:nvSpPr>
+        <p:spPr>
+          <a:xfrm>
+            <a:off x="838200" y="365129"/>
+            <a:ext cx="10002520" cy="1325563"/>
+          </a:xfrm>
+          <a:prstGeom prst="rect">
+            <a:avLst/>
+          </a:prstGeom>
+        </p:spPr>
+        <p:txBody>
+          <a:bodyPr/>
+          <a:lstStyle/>
+          <a:p>
+            <a:pPr lvl="0" indent="0" marL="0">
+              <a:buNone/>
+            </a:pPr>
+            <a:r>
+              <a:rPr/>
+              <a:t>CHIP Learning Log - What’s it all about?</a:t>
+            </a:r>
+          </a:p>
+        </p:txBody>
+      </p:sp>
+      <p:sp>
+        <p:nvSpPr>
           <p:cNvPr id="3" name="Content Placeholder 2">
             <a:extLst>
               <a:ext uri="{FF2B5EF4-FFF2-40B4-BE49-F238E27FC236}">
-                <a16:creationId xmlns:a16="http://schemas.microsoft.com/office/drawing/2014/main" id="{63FA7BF1-44B1-744C-AB68-4BB0A6A5977E}"/>
-              </a:ext>
-            </a:extLst>
-          </p:cNvPr>
-          <p:cNvSpPr>
-            <a:spLocks noGrp="1"/>
-          </p:cNvSpPr>
-          <p:nvPr>
-            <p:ph idx="1" sz="half"/>
+                <a16:creationId xmlns:a16="http://schemas.microsoft.com/office/drawing/2014/main" id="{A4EB24F9-04F1-C843-9D71-56C5C024552B}"/>
+              </a:ext>
+            </a:extLst>
+          </p:cNvPr>
+          <p:cNvSpPr>
+            <a:spLocks noGrp="1"/>
+          </p:cNvSpPr>
+          <p:nvPr>
+            <p:ph idx="1"/>
           </p:nvPr>
         </p:nvSpPr>
         <p:spPr/>
@@ -6111,43 +6426,39 @@
           <a:bodyPr/>
           <a:lstStyle/>
           <a:p>
+            <a:pPr lvl="0" indent="0" marL="1270000">
+              <a:buNone/>
+            </a:pPr>
+            <a:r>
+              <a:rPr sz="2000" b="1"/>
+              <a:t>None</a:t>
+            </a:r>
+          </a:p>
+          <a:p>
+            <a:pPr lvl="0" indent="0" marL="1270000">
+              <a:buNone/>
+            </a:pPr>
+            <a:r>
+              <a:rPr sz="2000"/>
+              <a:t>CHIP stands for Conceptual, Historical and Integrative Perspectives.</a:t>
+            </a:r>
+          </a:p>
+          <a:p>
             <a:pPr lvl="0" indent="0" marL="0">
               <a:buNone/>
             </a:pPr>
             <a:r>
               <a:rPr/>
-              <a:t>CHIP stands for Conceptual, Historical and Integrative Perspectives.</a:t>
-            </a:r>
-          </a:p>
-        </p:txBody>
-      </p:sp>
-      <p:sp>
-        <p:nvSpPr>
-          <p:cNvPr id="4" name="Content Placeholder 3">
-            <a:extLst>
-              <a:ext uri="{FF2B5EF4-FFF2-40B4-BE49-F238E27FC236}">
-                <a16:creationId xmlns:a16="http://schemas.microsoft.com/office/drawing/2014/main" id="{3B974A49-6A1E-2F48-B419-02B0A17B9692}"/>
-              </a:ext>
-            </a:extLst>
-          </p:cNvPr>
-          <p:cNvSpPr>
-            <a:spLocks noGrp="1"/>
-          </p:cNvSpPr>
-          <p:nvPr>
-            <p:ph idx="2" sz="half"/>
-          </p:nvPr>
-        </p:nvSpPr>
-        <p:spPr/>
-        <p:txBody>
-          <a:bodyPr/>
-          <a:lstStyle/>
+              <a:t>. . .</a:t>
+            </a:r>
+          </a:p>
           <a:p>
             <a:pPr lvl="0" indent="0" marL="0">
               <a:buNone/>
             </a:pPr>
             <a:r>
               <a:rPr/>
-              <a:t>Bigger picture topics</a:t>
+              <a:t>As you become active psychological researchers - and over half way through your undergraduate training in psychology - it is important to consider the wider context of what you are doing.</a:t>
             </a:r>
           </a:p>
         </p:txBody>
@@ -6208,7 +6519,83 @@
             </a:pPr>
             <a:r>
               <a:rPr/>
-              <a:t>Welcome back and welcome to Research Methods!</a:t>
+              <a:t>Learning log? huh?</a:t>
+            </a:r>
+          </a:p>
+        </p:txBody>
+      </p:sp>
+      <p:sp>
+        <p:nvSpPr>
+          <p:cNvPr id="3" name="Content Placeholder 2">
+            <a:extLst>
+              <a:ext uri="{FF2B5EF4-FFF2-40B4-BE49-F238E27FC236}">
+                <a16:creationId xmlns:a16="http://schemas.microsoft.com/office/drawing/2014/main" id="{A4EB24F9-04F1-C843-9D71-56C5C024552B}"/>
+              </a:ext>
+            </a:extLst>
+          </p:cNvPr>
+          <p:cNvSpPr>
+            <a:spLocks noGrp="1"/>
+          </p:cNvSpPr>
+          <p:nvPr>
+            <p:ph idx="1"/>
+          </p:nvPr>
+        </p:nvSpPr>
+        <p:spPr/>
+        <p:txBody>
+          <a:bodyPr/>
+          <a:lstStyle/>
+          <a:p>
+            <a:pPr lvl="0" indent="0" marL="1270000">
+              <a:buNone/>
+            </a:pPr>
+            <a:r>
+              <a:rPr sz="2000" b="1"/>
+              <a:t>None</a:t>
+            </a:r>
+          </a:p>
+          <a:p>
+            <a:pPr lvl="0" indent="0" marL="1270000">
+              <a:buNone/>
+            </a:pPr>
+            <a:r>
+              <a:rPr sz="2000"/>
+              <a:t>A Learning Log is a reflective account of your learning journey. It requires reflection and meta-cognitive practice.</a:t>
+            </a:r>
+          </a:p>
+          <a:p>
+            <a:pPr lvl="0" indent="0" marL="0">
+              <a:buNone/>
+            </a:pPr>
+            <a:r>
+              <a:rPr/>
+              <a:t>. . .</a:t>
+            </a:r>
+          </a:p>
+          <a:p>
+            <a:pPr lvl="0" indent="0" marL="0">
+              <a:buNone/>
+            </a:pPr>
+            <a:r>
+              <a:rPr/>
+              <a:t>By thinking about your personal learning journey, you take an objective ‘outside’ perspective on this important process. By doing so, it aids meta-learning - or the process of ‘learning to learn’.</a:t>
+            </a:r>
+          </a:p>
+          <a:p>
+            <a:pPr lvl="0" indent="0" marL="0">
+              <a:buNone/>
+            </a:pPr>
+            <a:r>
+              <a:rPr/>
+              <a:t>. . .</a:t>
+            </a:r>
+          </a:p>
+          <a:p>
+            <a:pPr lvl="0" indent="0" marL="1270000">
+              <a:buNone/>
+            </a:pPr>
+            <a:r>
+              <a:rPr sz="2000"/>
+              <a:t>Whether you end up being a ‘psychologist’ or not, your degree is an important opportunity to demonstrate your ability to learn (knowledge AND skills)</a:t>
             </a:r>
           </a:p>
         </p:txBody>
@@ -6240,7 +6627,7 @@
           <p:cNvPr id="2" name="Title 1">
             <a:extLst>
               <a:ext uri="{FF2B5EF4-FFF2-40B4-BE49-F238E27FC236}">
-                <a16:creationId xmlns:a16="http://schemas.microsoft.com/office/drawing/2014/main" id="{DD9B8E45-0772-954C-8D4B-6E6808DFEDED}"/>
+                <a16:creationId xmlns:a16="http://schemas.microsoft.com/office/drawing/2014/main" id="{2ECFDBC1-527D-3041-984A-EF5E7E9B7495}"/>
               </a:ext>
             </a:extLst>
           </p:cNvPr>
@@ -6254,7 +6641,7 @@
         <p:spPr>
           <a:xfrm>
             <a:off x="838200" y="365129"/>
-            <a:ext cx="10002520" cy="1325563"/>
+            <a:ext cx="10515600" cy="1325563"/>
           </a:xfrm>
           <a:prstGeom prst="rect">
             <a:avLst/>
@@ -6269,7 +6656,7 @@
             </a:pPr>
             <a:r>
               <a:rPr/>
-              <a:t>This year you become Scientists!</a:t>
+              <a:t>The topics already introduced this year are:</a:t>
             </a:r>
           </a:p>
         </p:txBody>
@@ -6279,15 +6666,15 @@
           <p:cNvPr id="3" name="Content Placeholder 2">
             <a:extLst>
               <a:ext uri="{FF2B5EF4-FFF2-40B4-BE49-F238E27FC236}">
-                <a16:creationId xmlns:a16="http://schemas.microsoft.com/office/drawing/2014/main" id="{A4EB24F9-04F1-C843-9D71-56C5C024552B}"/>
-              </a:ext>
-            </a:extLst>
-          </p:cNvPr>
-          <p:cNvSpPr>
-            <a:spLocks noGrp="1"/>
-          </p:cNvSpPr>
-          <p:nvPr>
-            <p:ph idx="1"/>
+                <a16:creationId xmlns:a16="http://schemas.microsoft.com/office/drawing/2014/main" id="{63FA7BF1-44B1-744C-AB68-4BB0A6A5977E}"/>
+              </a:ext>
+            </a:extLst>
+          </p:cNvPr>
+          <p:cNvSpPr>
+            <a:spLocks noGrp="1"/>
+          </p:cNvSpPr>
+          <p:nvPr>
+            <p:ph idx="1" sz="half"/>
           </p:nvPr>
         </p:nvSpPr>
         <p:spPr/>
@@ -6295,86 +6682,95 @@
           <a:bodyPr/>
           <a:lstStyle/>
           <a:p>
-            <a:pPr lvl="0" indent="0" marL="0">
-              <a:buNone/>
-            </a:pPr>
-            <a:r>
-              <a:rPr/>
-              <a:t>violets are blue.</a:t>
-            </a:r>
-          </a:p>
-          <a:p>
-            <a:pPr lvl="0" indent="0" marL="0">
-              <a:buNone/>
-            </a:pPr>
-            <a:r>
-              <a:rPr/>
-              <a:t>This year, in Research Methods, you will perform your first piece of REAL psychological research</a:t>
-            </a:r>
-          </a:p>
-          <a:p>
-            <a:pPr lvl="0" indent="0" marL="0">
-              <a:buNone/>
-            </a:pPr>
-            <a:r>
-              <a:rPr/>
-              <a:t>In groups, you will:</a:t>
-            </a:r>
-          </a:p>
-          <a:p>
             <a:pPr lvl="0"/>
             <a:r>
               <a:rPr/>
-              <a:t>Identify an area of psychological research</a:t>
+              <a:t>What is Science?</a:t>
             </a:r>
           </a:p>
           <a:p>
             <a:pPr lvl="0"/>
             <a:r>
               <a:rPr/>
-              <a:t>Review and critique the literature in this area</a:t>
+              <a:t>Artificial Intelligence</a:t>
             </a:r>
           </a:p>
           <a:p>
             <a:pPr lvl="0"/>
             <a:r>
               <a:rPr/>
-              <a:t>Develop a testable hypothesis</a:t>
+              <a:t>Open Science</a:t>
             </a:r>
           </a:p>
           <a:p>
             <a:pPr lvl="0"/>
             <a:r>
               <a:rPr/>
-              <a:t>Design a 2x2 ANOVA experiment unique to you (within your group study)</a:t>
+              <a:t>Qualitative Research</a:t>
             </a:r>
           </a:p>
           <a:p>
             <a:pPr lvl="0"/>
             <a:r>
               <a:rPr/>
-              <a:t>Obtain Ethical Approval for your experiment</a:t>
-            </a:r>
-          </a:p>
+              <a:t>Inclusivity</a:t>
+            </a:r>
+          </a:p>
+        </p:txBody>
+      </p:sp>
+      <p:sp>
+        <p:nvSpPr>
+          <p:cNvPr id="4" name="Content Placeholder 3">
+            <a:extLst>
+              <a:ext uri="{FF2B5EF4-FFF2-40B4-BE49-F238E27FC236}">
+                <a16:creationId xmlns:a16="http://schemas.microsoft.com/office/drawing/2014/main" id="{3B974A49-6A1E-2F48-B419-02B0A17B9692}"/>
+              </a:ext>
+            </a:extLst>
+          </p:cNvPr>
+          <p:cNvSpPr>
+            <a:spLocks noGrp="1"/>
+          </p:cNvSpPr>
+          <p:nvPr>
+            <p:ph idx="2" sz="half"/>
+          </p:nvPr>
+        </p:nvSpPr>
+        <p:spPr/>
+        <p:txBody>
+          <a:bodyPr/>
+          <a:lstStyle/>
           <a:p>
             <a:pPr lvl="0"/>
             <a:r>
               <a:rPr/>
-              <a:t>Collect REAL data</a:t>
+              <a:t>What is Science?</a:t>
             </a:r>
           </a:p>
           <a:p>
             <a:pPr lvl="0"/>
             <a:r>
               <a:rPr/>
-              <a:t>Analyse these data</a:t>
+              <a:t>Artificial Intelligence</a:t>
             </a:r>
           </a:p>
           <a:p>
             <a:pPr lvl="0"/>
             <a:r>
               <a:rPr/>
-              <a:t>Write up the results in APA format</a:t>
+              <a:t>Open Science</a:t>
+            </a:r>
+          </a:p>
+          <a:p>
+            <a:pPr lvl="0"/>
+            <a:r>
+              <a:rPr/>
+              <a:t>Qualitative Research</a:t>
+            </a:r>
+          </a:p>
+          <a:p>
+            <a:pPr lvl="0"/>
+            <a:r>
+              <a:rPr/>
+              <a:t>Inclusivity</a:t>
             </a:r>
           </a:p>
         </p:txBody>
@@ -6435,7 +6831,7 @@
             </a:pPr>
             <a:r>
               <a:rPr/>
-              <a:t>A full overview will be given in the first lecture!</a:t>
+              <a:t>The topics approaching this year are:</a:t>
             </a:r>
           </a:p>
         </p:txBody>
@@ -6466,7 +6862,16 @@
             </a:pPr>
             <a:r>
               <a:rPr/>
-              <a:t>Do not worry! It’s going to be a great adventure!</a:t>
+              <a:t>Meta-cognition and Meta-learning ## But you are welcome to choose more broadly</a:t>
+            </a:r>
+          </a:p>
+          <a:p>
+            <a:pPr lvl="0" indent="0" marL="0">
+              <a:buNone/>
+            </a:pPr>
+            <a:r>
+              <a:rPr/>
+              <a:t>::: incremental {.tight} - What is Science? - Artificial Intelligence - Open Science - Qualitative Research - Inclusivity :::</a:t>
             </a:r>
           </a:p>
         </p:txBody>
@@ -6527,7 +6932,7 @@
             </a:pPr>
             <a:r>
               <a:rPr/>
-              <a:t>A ‘warm up’ for your Y3 Dissertation</a:t>
+              <a:t>Assessment</a:t>
             </a:r>
           </a:p>
         </p:txBody>
@@ -6553,52 +6958,65 @@
           <a:bodyPr/>
           <a:lstStyle/>
           <a:p>
-            <a:pPr lvl="0"/>
-            <a:r>
-              <a:rPr/>
-              <a:t>The same 20-week timeline</a:t>
-            </a:r>
-          </a:p>
-          <a:p>
-            <a:pPr lvl="0"/>
-            <a:r>
-              <a:rPr/>
-              <a:t>The same skills and techniques you will need</a:t>
-            </a:r>
-          </a:p>
-          <a:p>
-            <a:pPr lvl="0"/>
-            <a:r>
-              <a:rPr/>
-              <a:t>Careful step-by-step guidance and support in the lab setting</a:t>
-            </a:r>
-          </a:p>
-          <a:p>
-            <a:pPr lvl="0"/>
-            <a:r>
-              <a:rPr/>
-              <a:t>Scaled-down experiments and write-ups</a:t>
-            </a:r>
-          </a:p>
-          <a:p>
-            <a:pPr lvl="0"/>
-            <a:r>
-              <a:rPr/>
-              <a:t>The security of working in a group</a:t>
-            </a:r>
-          </a:p>
-          <a:p>
-            <a:pPr lvl="0"/>
-            <a:r>
-              <a:rPr/>
-              <a:t>Tips and advice from world-class researchers</a:t>
-            </a:r>
-          </a:p>
-          <a:p>
-            <a:pPr lvl="0"/>
-            <a:r>
-              <a:rPr/>
-              <a:t>Opportunity to think carefully about your final year Dissertation, and how to crush it!!</a:t>
+            <a:pPr lvl="0" indent="0" marL="0">
+              <a:buNone/>
+            </a:pPr>
+            <a:r>
+              <a:rPr/>
+              <a:t>Coursework designed to allow you to engage reflexively with the ‘big picture’ of your degree</a:t>
+            </a:r>
+          </a:p>
+          <a:p>
+            <a:pPr lvl="0" indent="0" marL="0">
+              <a:buNone/>
+            </a:pPr>
+            <a:r>
+              <a:rPr/>
+              <a:t>Think about how these issues link into psychology as a discipline, and how they relate to your own thoughts about what psychology is or should be</a:t>
+            </a:r>
+          </a:p>
+          <a:p>
+            <a:pPr lvl="0" indent="0" marL="0">
+              <a:buNone/>
+            </a:pPr>
+            <a:r>
+              <a:rPr/>
+              <a:t>Two essays of </a:t>
+            </a:r>
+            <a:r>
+              <a:rPr b="1"/>
+              <a:t>max</a:t>
+            </a:r>
+            <a:r>
+              <a:rPr/>
+              <a:t> 700 words each</a:t>
+            </a:r>
+          </a:p>
+          <a:p>
+            <a:pPr lvl="0" indent="0" marL="0">
+              <a:buNone/>
+            </a:pPr>
+            <a:r>
+              <a:rPr/>
+              <a:t>Marks are awarded for reflection, evidence of learning and bring topics together. Please see marking criteria for both essays.</a:t>
+            </a:r>
+          </a:p>
+          <a:p>
+            <a:pPr lvl="0" indent="0" marL="0">
+              <a:buNone/>
+            </a:pPr>
+            <a:r>
+              <a:rPr/>
+              <a:t>Not looking for a restatement of the facts in the lectures etc.</a:t>
+            </a:r>
+          </a:p>
+          <a:p>
+            <a:pPr lvl="0" indent="0" marL="0">
+              <a:buNone/>
+            </a:pPr>
+            <a:r>
+              <a:rPr/>
+              <a:t>They are designed to be personal and reflective – embrace this aspect!</a:t>
             </a:r>
           </a:p>
         </p:txBody>
@@ -6659,7 +7077,7 @@
             </a:pPr>
             <a:r>
               <a:rPr/>
-              <a:t>Support and guidance</a:t>
+              <a:t>Essay 1</a:t>
             </a:r>
           </a:p>
         </p:txBody>
@@ -6685,40 +7103,12 @@
           <a:bodyPr/>
           <a:lstStyle/>
           <a:p>
-            <a:pPr lvl="0"/>
-            <a:r>
-              <a:rPr/>
-              <a:t>Gordon Wright (Module Coordinator and floating Enthusiast in Chief)</a:t>
-            </a:r>
-          </a:p>
-          <a:p>
-            <a:pPr lvl="0"/>
-            <a:r>
-              <a:rPr/>
-              <a:t>7 gobsmackingly amazing Lab Tutors</a:t>
-            </a:r>
-          </a:p>
-          <a:p>
-            <a:pPr lvl="0"/>
-            <a:r>
-              <a:rPr/>
-              <a:t>Your Personal Tutor and your PT group</a:t>
-            </a:r>
-          </a:p>
-          <a:p>
-            <a:pPr lvl="0"/>
-            <a:r>
-              <a:rPr/>
-              <a:t>AND EACH OTHER!!</a:t>
-            </a:r>
-          </a:p>
-          <a:p>
             <a:pPr lvl="0" indent="0" marL="0">
               <a:buNone/>
             </a:pPr>
             <a:r>
               <a:rPr/>
-              <a:t>This is a team-sport</a:t>
+              <a:t>Essay 1 is based on the content of ONE of the FOUR topics and should adopt at least two of the following 6 ‘perspectives’.</a:t>
             </a:r>
           </a:p>
           <a:p>
@@ -6726,10 +7116,53 @@
               <a:buNone/>
             </a:pPr>
             <a:r>
-              <a:rPr>
-                <a:hlinkClick r:id="rId2"/>
-              </a:rPr>
-              <a:t>A detailed rubric can be found here</a:t>
+              <a:rPr/>
+              <a:t>STU - Your interests or experience as a student of psychology</a:t>
+            </a:r>
+          </a:p>
+          <a:p>
+            <a:pPr lvl="0" indent="0" marL="0">
+              <a:buNone/>
+            </a:pPr>
+            <a:r>
+              <a:rPr/>
+              <a:t>TRN - Your role as a trainee psychologist</a:t>
+            </a:r>
+          </a:p>
+          <a:p>
+            <a:pPr lvl="0" indent="0" marL="0">
+              <a:buNone/>
+            </a:pPr>
+            <a:r>
+              <a:rPr/>
+              <a:t>RES - A planned research project in or after your degree</a:t>
+            </a:r>
+          </a:p>
+          <a:p>
+            <a:pPr lvl="0" indent="0" marL="0">
+              <a:buNone/>
+            </a:pPr>
+            <a:r>
+              <a:rPr/>
+              <a:t>HIS - The history of Psychology and related disciplines;</a:t>
+            </a:r>
+          </a:p>
+          <a:p>
+            <a:pPr lvl="0" indent="0" marL="0">
+              <a:buNone/>
+            </a:pPr>
+            <a:r>
+              <a:rPr/>
+              <a:t>PRA - Reporting on the Practice or Culture of Psychology;</a:t>
+            </a:r>
+          </a:p>
+          <a:p>
+            <a:pPr lvl="0" indent="0" marL="0">
+              <a:buNone/>
+            </a:pPr>
+            <a:r>
+              <a:rPr/>
+              <a:t>SCI - Assumptions about science and how it relates to psychology</a:t>
             </a:r>
           </a:p>
         </p:txBody>
@@ -6790,7 +7223,7 @@
             </a:pPr>
             <a:r>
               <a:rPr/>
-              <a:t>me</a:t>
+              <a:t>Essay 1 tips</a:t>
             </a:r>
           </a:p>
         </p:txBody>
@@ -6821,7 +7254,7 @@
             </a:pPr>
             <a:r>
               <a:rPr/>
-              <a:t>I will be in every Research Methods lecture and I have a Student Hour from 3-4 every Monday, before we all go to the Design &amp; Analysis lecture. Yup! Me too!</a:t>
+              <a:t>Ask a specific question – and answer it.</a:t>
             </a:r>
           </a:p>
           <a:p>
@@ -6830,7 +7263,7 @@
             </a:pPr>
             <a:r>
               <a:rPr/>
-              <a:t>Available at g.wright@gold.ac.uk</a:t>
+              <a:t>Intro, body, conclusion structure.</a:t>
             </a:r>
           </a:p>
           <a:p>
@@ -6839,7 +7272,43 @@
             </a:pPr>
             <a:r>
               <a:rPr/>
-              <a:t>I genuinely could not imagine anything I would rather do that this. Please talk to me!</a:t>
+              <a:t>Reflect on the topic and give your own opinion as to the answer!</a:t>
+            </a:r>
+          </a:p>
+          <a:p>
+            <a:pPr lvl="0" indent="0" marL="0">
+              <a:buNone/>
+            </a:pPr>
+            <a:r>
+              <a:rPr/>
+              <a:t>Present a journey in your learning or appreciation of the topic</a:t>
+            </a:r>
+          </a:p>
+          <a:p>
+            <a:pPr lvl="0" indent="0" marL="0">
+              <a:buNone/>
+            </a:pPr>
+            <a:r>
+              <a:rPr/>
+              <a:t>Ensure your answer is argued using examples</a:t>
+            </a:r>
+          </a:p>
+          <a:p>
+            <a:pPr lvl="0" indent="0" marL="0">
+              <a:buNone/>
+            </a:pPr>
+            <a:r>
+              <a:rPr/>
+              <a:t>Use evidence in your argument from a range of sources, ideally do some strategic wider reading</a:t>
+            </a:r>
+          </a:p>
+          <a:p>
+            <a:pPr lvl="0" indent="0" marL="0">
+              <a:buNone/>
+            </a:pPr>
+            <a:r>
+              <a:rPr/>
+              <a:t>Present and reference it well</a:t>
             </a:r>
           </a:p>
         </p:txBody>

--- a/_site/lectures/Lecture16/Lecture16.pptx
+++ b/_site/lectures/Lecture16/Lecture16.pptx
@@ -6777,6 +6777,530 @@
       </p:sp>
     </p:spTree>
   </p:cSld>
+  <p:timing>
+    <p:tnLst>
+      <p:par>
+        <p:cTn id="1" dur="indefinite" restart="never" nodeType="tmRoot">
+          <p:childTnLst>
+            <p:seq concurrent="1" nextAc="seek">
+              <p:cTn id="2" dur="indefinite" nodeType="mainSeq">
+                <p:childTnLst>
+                  <p:par>
+                    <p:cTn id="3" fill="hold">
+                      <p:stCondLst>
+                        <p:cond delay="indefinite"/>
+                      </p:stCondLst>
+                      <p:childTnLst>
+                        <p:par>
+                          <p:cTn id="4" fill="hold">
+                            <p:stCondLst>
+                              <p:cond delay="0"/>
+                            </p:stCondLst>
+                            <p:childTnLst>
+                              <p:par>
+                                <p:cTn id="5" presetID="1" presetClass="entr" presetSubtype="0" fill="hold" grpId="0" nodeType="clickEffect">
+                                  <p:stCondLst>
+                                    <p:cond delay="0"/>
+                                  </p:stCondLst>
+                                  <p:childTnLst>
+                                    <p:set>
+                                      <p:cBhvr>
+                                        <p:cTn id="6" dur="1" fill="hold">
+                                          <p:stCondLst>
+                                            <p:cond delay="0"/>
+                                          </p:stCondLst>
+                                        </p:cTn>
+                                        <p:tgtEl>
+                                          <p:spTgt spid="3">
+                                            <p:txEl>
+                                              <p:pRg st="0" end="0"/>
+                                            </p:txEl>
+                                          </p:spTgt>
+                                        </p:tgtEl>
+                                        <p:attrNameLst>
+                                          <p:attrName>style.visibility</p:attrName>
+                                        </p:attrNameLst>
+                                      </p:cBhvr>
+                                      <p:to>
+                                        <p:strVal val="visible"/>
+                                      </p:to>
+                                    </p:set>
+                                  </p:childTnLst>
+                                </p:cTn>
+                              </p:par>
+                            </p:childTnLst>
+                          </p:cTn>
+                        </p:par>
+                      </p:childTnLst>
+                    </p:cTn>
+                  </p:par>
+                  <p:par>
+                    <p:cTn id="7" fill="hold">
+                      <p:stCondLst>
+                        <p:cond delay="indefinite"/>
+                      </p:stCondLst>
+                      <p:childTnLst>
+                        <p:par>
+                          <p:cTn id="8" fill="hold">
+                            <p:stCondLst>
+                              <p:cond delay="0"/>
+                            </p:stCondLst>
+                            <p:childTnLst>
+                              <p:par>
+                                <p:cTn id="9" presetID="1" presetClass="entr" presetSubtype="0" fill="hold" grpId="0" nodeType="clickEffect">
+                                  <p:stCondLst>
+                                    <p:cond delay="0"/>
+                                  </p:stCondLst>
+                                  <p:childTnLst>
+                                    <p:set>
+                                      <p:cBhvr>
+                                        <p:cTn id="10" dur="1" fill="hold">
+                                          <p:stCondLst>
+                                            <p:cond delay="0"/>
+                                          </p:stCondLst>
+                                        </p:cTn>
+                                        <p:tgtEl>
+                                          <p:spTgt spid="3">
+                                            <p:txEl>
+                                              <p:pRg st="1" end="1"/>
+                                            </p:txEl>
+                                          </p:spTgt>
+                                        </p:tgtEl>
+                                        <p:attrNameLst>
+                                          <p:attrName>style.visibility</p:attrName>
+                                        </p:attrNameLst>
+                                      </p:cBhvr>
+                                      <p:to>
+                                        <p:strVal val="visible"/>
+                                      </p:to>
+                                    </p:set>
+                                  </p:childTnLst>
+                                </p:cTn>
+                              </p:par>
+                            </p:childTnLst>
+                          </p:cTn>
+                        </p:par>
+                      </p:childTnLst>
+                    </p:cTn>
+                  </p:par>
+                  <p:par>
+                    <p:cTn id="11" fill="hold">
+                      <p:stCondLst>
+                        <p:cond delay="indefinite"/>
+                      </p:stCondLst>
+                      <p:childTnLst>
+                        <p:par>
+                          <p:cTn id="12" fill="hold">
+                            <p:stCondLst>
+                              <p:cond delay="0"/>
+                            </p:stCondLst>
+                            <p:childTnLst>
+                              <p:par>
+                                <p:cTn id="13" presetID="1" presetClass="entr" presetSubtype="0" fill="hold" grpId="0" nodeType="clickEffect">
+                                  <p:stCondLst>
+                                    <p:cond delay="0"/>
+                                  </p:stCondLst>
+                                  <p:childTnLst>
+                                    <p:set>
+                                      <p:cBhvr>
+                                        <p:cTn id="14" dur="1" fill="hold">
+                                          <p:stCondLst>
+                                            <p:cond delay="0"/>
+                                          </p:stCondLst>
+                                        </p:cTn>
+                                        <p:tgtEl>
+                                          <p:spTgt spid="3">
+                                            <p:txEl>
+                                              <p:pRg st="2" end="2"/>
+                                            </p:txEl>
+                                          </p:spTgt>
+                                        </p:tgtEl>
+                                        <p:attrNameLst>
+                                          <p:attrName>style.visibility</p:attrName>
+                                        </p:attrNameLst>
+                                      </p:cBhvr>
+                                      <p:to>
+                                        <p:strVal val="visible"/>
+                                      </p:to>
+                                    </p:set>
+                                  </p:childTnLst>
+                                </p:cTn>
+                              </p:par>
+                            </p:childTnLst>
+                          </p:cTn>
+                        </p:par>
+                      </p:childTnLst>
+                    </p:cTn>
+                  </p:par>
+                  <p:par>
+                    <p:cTn id="15" fill="hold">
+                      <p:stCondLst>
+                        <p:cond delay="indefinite"/>
+                      </p:stCondLst>
+                      <p:childTnLst>
+                        <p:par>
+                          <p:cTn id="16" fill="hold">
+                            <p:stCondLst>
+                              <p:cond delay="0"/>
+                            </p:stCondLst>
+                            <p:childTnLst>
+                              <p:par>
+                                <p:cTn id="17" presetID="1" presetClass="entr" presetSubtype="0" fill="hold" grpId="0" nodeType="clickEffect">
+                                  <p:stCondLst>
+                                    <p:cond delay="0"/>
+                                  </p:stCondLst>
+                                  <p:childTnLst>
+                                    <p:set>
+                                      <p:cBhvr>
+                                        <p:cTn id="18" dur="1" fill="hold">
+                                          <p:stCondLst>
+                                            <p:cond delay="0"/>
+                                          </p:stCondLst>
+                                        </p:cTn>
+                                        <p:tgtEl>
+                                          <p:spTgt spid="3">
+                                            <p:txEl>
+                                              <p:pRg st="3" end="3"/>
+                                            </p:txEl>
+                                          </p:spTgt>
+                                        </p:tgtEl>
+                                        <p:attrNameLst>
+                                          <p:attrName>style.visibility</p:attrName>
+                                        </p:attrNameLst>
+                                      </p:cBhvr>
+                                      <p:to>
+                                        <p:strVal val="visible"/>
+                                      </p:to>
+                                    </p:set>
+                                  </p:childTnLst>
+                                </p:cTn>
+                              </p:par>
+                            </p:childTnLst>
+                          </p:cTn>
+                        </p:par>
+                      </p:childTnLst>
+                    </p:cTn>
+                  </p:par>
+                  <p:par>
+                    <p:cTn id="19" fill="hold">
+                      <p:stCondLst>
+                        <p:cond delay="indefinite"/>
+                      </p:stCondLst>
+                      <p:childTnLst>
+                        <p:par>
+                          <p:cTn id="20" fill="hold">
+                            <p:stCondLst>
+                              <p:cond delay="0"/>
+                            </p:stCondLst>
+                            <p:childTnLst>
+                              <p:par>
+                                <p:cTn id="21" presetID="1" presetClass="entr" presetSubtype="0" fill="hold" grpId="0" nodeType="clickEffect">
+                                  <p:stCondLst>
+                                    <p:cond delay="0"/>
+                                  </p:stCondLst>
+                                  <p:childTnLst>
+                                    <p:set>
+                                      <p:cBhvr>
+                                        <p:cTn id="22" dur="1" fill="hold">
+                                          <p:stCondLst>
+                                            <p:cond delay="0"/>
+                                          </p:stCondLst>
+                                        </p:cTn>
+                                        <p:tgtEl>
+                                          <p:spTgt spid="3">
+                                            <p:txEl>
+                                              <p:pRg st="4" end="4"/>
+                                            </p:txEl>
+                                          </p:spTgt>
+                                        </p:tgtEl>
+                                        <p:attrNameLst>
+                                          <p:attrName>style.visibility</p:attrName>
+                                        </p:attrNameLst>
+                                      </p:cBhvr>
+                                      <p:to>
+                                        <p:strVal val="visible"/>
+                                      </p:to>
+                                    </p:set>
+                                  </p:childTnLst>
+                                </p:cTn>
+                              </p:par>
+                            </p:childTnLst>
+                          </p:cTn>
+                        </p:par>
+                      </p:childTnLst>
+                    </p:cTn>
+                  </p:par>
+                  <p:par>
+                    <p:cTn id="23" fill="hold">
+                      <p:stCondLst>
+                        <p:cond delay="indefinite"/>
+                      </p:stCondLst>
+                      <p:childTnLst>
+                        <p:par>
+                          <p:cTn id="24" fill="hold">
+                            <p:stCondLst>
+                              <p:cond delay="0"/>
+                            </p:stCondLst>
+                            <p:childTnLst>
+                              <p:par>
+                                <p:cTn id="25" presetID="1" presetClass="entr" presetSubtype="0" fill="hold" grpId="0" nodeType="clickEffect">
+                                  <p:stCondLst>
+                                    <p:cond delay="0"/>
+                                  </p:stCondLst>
+                                  <p:childTnLst>
+                                    <p:set>
+                                      <p:cBhvr>
+                                        <p:cTn id="26" dur="1" fill="hold">
+                                          <p:stCondLst>
+                                            <p:cond delay="0"/>
+                                          </p:stCondLst>
+                                        </p:cTn>
+                                        <p:tgtEl>
+                                          <p:spTgt spid="4">
+                                            <p:txEl>
+                                              <p:pRg st="0" end="0"/>
+                                            </p:txEl>
+                                          </p:spTgt>
+                                        </p:tgtEl>
+                                        <p:attrNameLst>
+                                          <p:attrName>style.visibility</p:attrName>
+                                        </p:attrNameLst>
+                                      </p:cBhvr>
+                                      <p:to>
+                                        <p:strVal val="visible"/>
+                                      </p:to>
+                                    </p:set>
+                                  </p:childTnLst>
+                                </p:cTn>
+                              </p:par>
+                            </p:childTnLst>
+                          </p:cTn>
+                        </p:par>
+                      </p:childTnLst>
+                    </p:cTn>
+                  </p:par>
+                  <p:par>
+                    <p:cTn id="27" fill="hold">
+                      <p:stCondLst>
+                        <p:cond delay="indefinite"/>
+                      </p:stCondLst>
+                      <p:childTnLst>
+                        <p:par>
+                          <p:cTn id="28" fill="hold">
+                            <p:stCondLst>
+                              <p:cond delay="0"/>
+                            </p:stCondLst>
+                            <p:childTnLst>
+                              <p:par>
+                                <p:cTn id="29" presetID="1" presetClass="entr" presetSubtype="0" fill="hold" grpId="0" nodeType="clickEffect">
+                                  <p:stCondLst>
+                                    <p:cond delay="0"/>
+                                  </p:stCondLst>
+                                  <p:childTnLst>
+                                    <p:set>
+                                      <p:cBhvr>
+                                        <p:cTn id="30" dur="1" fill="hold">
+                                          <p:stCondLst>
+                                            <p:cond delay="0"/>
+                                          </p:stCondLst>
+                                        </p:cTn>
+                                        <p:tgtEl>
+                                          <p:spTgt spid="4">
+                                            <p:txEl>
+                                              <p:pRg st="1" end="1"/>
+                                            </p:txEl>
+                                          </p:spTgt>
+                                        </p:tgtEl>
+                                        <p:attrNameLst>
+                                          <p:attrName>style.visibility</p:attrName>
+                                        </p:attrNameLst>
+                                      </p:cBhvr>
+                                      <p:to>
+                                        <p:strVal val="visible"/>
+                                      </p:to>
+                                    </p:set>
+                                  </p:childTnLst>
+                                </p:cTn>
+                              </p:par>
+                            </p:childTnLst>
+                          </p:cTn>
+                        </p:par>
+                      </p:childTnLst>
+                    </p:cTn>
+                  </p:par>
+                  <p:par>
+                    <p:cTn id="31" fill="hold">
+                      <p:stCondLst>
+                        <p:cond delay="indefinite"/>
+                      </p:stCondLst>
+                      <p:childTnLst>
+                        <p:par>
+                          <p:cTn id="32" fill="hold">
+                            <p:stCondLst>
+                              <p:cond delay="0"/>
+                            </p:stCondLst>
+                            <p:childTnLst>
+                              <p:par>
+                                <p:cTn id="33" presetID="1" presetClass="entr" presetSubtype="0" fill="hold" grpId="0" nodeType="clickEffect">
+                                  <p:stCondLst>
+                                    <p:cond delay="0"/>
+                                  </p:stCondLst>
+                                  <p:childTnLst>
+                                    <p:set>
+                                      <p:cBhvr>
+                                        <p:cTn id="34" dur="1" fill="hold">
+                                          <p:stCondLst>
+                                            <p:cond delay="0"/>
+                                          </p:stCondLst>
+                                        </p:cTn>
+                                        <p:tgtEl>
+                                          <p:spTgt spid="4">
+                                            <p:txEl>
+                                              <p:pRg st="2" end="2"/>
+                                            </p:txEl>
+                                          </p:spTgt>
+                                        </p:tgtEl>
+                                        <p:attrNameLst>
+                                          <p:attrName>style.visibility</p:attrName>
+                                        </p:attrNameLst>
+                                      </p:cBhvr>
+                                      <p:to>
+                                        <p:strVal val="visible"/>
+                                      </p:to>
+                                    </p:set>
+                                  </p:childTnLst>
+                                </p:cTn>
+                              </p:par>
+                            </p:childTnLst>
+                          </p:cTn>
+                        </p:par>
+                      </p:childTnLst>
+                    </p:cTn>
+                  </p:par>
+                  <p:par>
+                    <p:cTn id="35" fill="hold">
+                      <p:stCondLst>
+                        <p:cond delay="indefinite"/>
+                      </p:stCondLst>
+                      <p:childTnLst>
+                        <p:par>
+                          <p:cTn id="36" fill="hold">
+                            <p:stCondLst>
+                              <p:cond delay="0"/>
+                            </p:stCondLst>
+                            <p:childTnLst>
+                              <p:par>
+                                <p:cTn id="37" presetID="1" presetClass="entr" presetSubtype="0" fill="hold" grpId="0" nodeType="clickEffect">
+                                  <p:stCondLst>
+                                    <p:cond delay="0"/>
+                                  </p:stCondLst>
+                                  <p:childTnLst>
+                                    <p:set>
+                                      <p:cBhvr>
+                                        <p:cTn id="38" dur="1" fill="hold">
+                                          <p:stCondLst>
+                                            <p:cond delay="0"/>
+                                          </p:stCondLst>
+                                        </p:cTn>
+                                        <p:tgtEl>
+                                          <p:spTgt spid="4">
+                                            <p:txEl>
+                                              <p:pRg st="3" end="3"/>
+                                            </p:txEl>
+                                          </p:spTgt>
+                                        </p:tgtEl>
+                                        <p:attrNameLst>
+                                          <p:attrName>style.visibility</p:attrName>
+                                        </p:attrNameLst>
+                                      </p:cBhvr>
+                                      <p:to>
+                                        <p:strVal val="visible"/>
+                                      </p:to>
+                                    </p:set>
+                                  </p:childTnLst>
+                                </p:cTn>
+                              </p:par>
+                            </p:childTnLst>
+                          </p:cTn>
+                        </p:par>
+                      </p:childTnLst>
+                    </p:cTn>
+                  </p:par>
+                  <p:par>
+                    <p:cTn id="39" fill="hold">
+                      <p:stCondLst>
+                        <p:cond delay="indefinite"/>
+                      </p:stCondLst>
+                      <p:childTnLst>
+                        <p:par>
+                          <p:cTn id="40" fill="hold">
+                            <p:stCondLst>
+                              <p:cond delay="0"/>
+                            </p:stCondLst>
+                            <p:childTnLst>
+                              <p:par>
+                                <p:cTn id="41" presetID="1" presetClass="entr" presetSubtype="0" fill="hold" grpId="0" nodeType="clickEffect">
+                                  <p:stCondLst>
+                                    <p:cond delay="0"/>
+                                  </p:stCondLst>
+                                  <p:childTnLst>
+                                    <p:set>
+                                      <p:cBhvr>
+                                        <p:cTn id="42" dur="1" fill="hold">
+                                          <p:stCondLst>
+                                            <p:cond delay="0"/>
+                                          </p:stCondLst>
+                                        </p:cTn>
+                                        <p:tgtEl>
+                                          <p:spTgt spid="4">
+                                            <p:txEl>
+                                              <p:pRg st="4" end="4"/>
+                                            </p:txEl>
+                                          </p:spTgt>
+                                        </p:tgtEl>
+                                        <p:attrNameLst>
+                                          <p:attrName>style.visibility</p:attrName>
+                                        </p:attrNameLst>
+                                      </p:cBhvr>
+                                      <p:to>
+                                        <p:strVal val="visible"/>
+                                      </p:to>
+                                    </p:set>
+                                  </p:childTnLst>
+                                </p:cTn>
+                              </p:par>
+                            </p:childTnLst>
+                          </p:cTn>
+                        </p:par>
+                      </p:childTnLst>
+                    </p:cTn>
+                  </p:par>
+                </p:childTnLst>
+              </p:cTn>
+              <p:prevCondLst>
+                <p:cond evt="onPrev" delay="0">
+                  <p:tgtEl>
+                    <p:sldTgt/>
+                  </p:tgtEl>
+                </p:cond>
+              </p:prevCondLst>
+              <p:nextCondLst>
+                <p:cond evt="onNext" delay="0">
+                  <p:tgtEl>
+                    <p:sldTgt/>
+                  </p:tgtEl>
+                </p:cond>
+              </p:nextCondLst>
+            </p:seq>
+          </p:childTnLst>
+        </p:cTn>
+      </p:par>
+    </p:tnLst>
+    <p:bldLst>
+      <p:bldP spid="3" grpId="0" uiExpand="1" build="p"/>
+      <p:bldP spid="4" grpId="0" uiExpand="1" build="p"/>
+    </p:bldLst>
+  </p:timing>
 </p:sld>
 </file>
 

--- a/_site/lectures/Lecture16/Lecture16.pptx
+++ b/_site/lectures/Lecture16/Lecture16.pptx
@@ -23,9 +23,6 @@
     <p:sldId id="271" r:id="rId17"/>
     <p:sldId id="272" r:id="rId18"/>
     <p:sldId id="273" r:id="rId19"/>
-    <p:sldId id="274" r:id="rId20"/>
-    <p:sldId id="275" r:id="rId21"/>
-    <p:sldId id="276" r:id="rId22"/>
   </p:sldIdLst>
   <p:sldSz cx="12192000" cy="6858000"/>
   <p:notesSz cx="6858000" cy="9144000"/>
@@ -4945,7 +4942,7 @@
             </a:pPr>
             <a:r>
               <a:rPr/>
-              <a:t>CHIP Overview</a:t>
+              <a:t>CHIP Assessment Overview</a:t>
             </a:r>
             <a:br/>
             <a:br/>
@@ -5043,7 +5040,7 @@
             </a:pPr>
             <a:r>
               <a:rPr/>
-              <a:t>Essay 2</a:t>
+              <a:t>Essay 1 tips</a:t>
             </a:r>
           </a:p>
         </p:txBody>
@@ -5069,66 +5066,52 @@
           <a:bodyPr/>
           <a:lstStyle/>
           <a:p>
-            <a:pPr lvl="0" indent="0" marL="0">
-              <a:buNone/>
-            </a:pPr>
-            <a:r>
-              <a:rPr/>
-              <a:t>Essay 2 should focus on at least one of the OTHER topics covered in the course.</a:t>
-            </a:r>
-          </a:p>
-          <a:p>
-            <a:pPr lvl="0" indent="0" marL="0">
-              <a:buNone/>
-            </a:pPr>
-            <a:r>
-              <a:rPr/>
-              <a:t>This answer should focus on a primary reading associated with the lectures and then any further reading you have done (strongly encouraged).</a:t>
-            </a:r>
-          </a:p>
-          <a:p>
-            <a:pPr lvl="0" indent="0" marL="0">
-              <a:buNone/>
-            </a:pPr>
-            <a:r>
-              <a:rPr/>
-              <a:t>You must identify that primary reading explicitly in the essay itself.</a:t>
-            </a:r>
-          </a:p>
-          <a:p>
-            <a:pPr lvl="0" indent="0" marL="0">
-              <a:buNone/>
-            </a:pPr>
-            <a:r>
-              <a:rPr/>
-              <a:t>You should not simply restate what the authors thought or found, but rather briefly summarise the point that stimulated your interest in the reading and use that as a springboard to discuss the topic or issue.</a:t>
-            </a:r>
-          </a:p>
-          <a:p>
-            <a:pPr lvl="0" indent="0" marL="0">
-              <a:buNone/>
-            </a:pPr>
-            <a:r>
-              <a:rPr/>
-              <a:t>Think about your perspective on the issues.</a:t>
-            </a:r>
-          </a:p>
-          <a:p>
-            <a:pPr lvl="0" indent="0" marL="0">
-              <a:buNone/>
-            </a:pPr>
-            <a:r>
-              <a:rPr/>
-              <a:t>What do you think about this debate or issue? We want to know!</a:t>
-            </a:r>
-          </a:p>
-          <a:p>
-            <a:pPr lvl="0" indent="0" marL="0">
-              <a:buNone/>
-            </a:pPr>
-            <a:r>
-              <a:rPr/>
-              <a:t>And what do you think are interesting directions for psychologists to take this debate or issue in the future?</a:t>
+            <a:pPr lvl="0"/>
+            <a:r>
+              <a:rPr/>
+              <a:t>Ask a specific question – and answer it.</a:t>
+            </a:r>
+          </a:p>
+          <a:p>
+            <a:pPr lvl="0"/>
+            <a:r>
+              <a:rPr/>
+              <a:t>Intro, body, conclusion structure.</a:t>
+            </a:r>
+          </a:p>
+          <a:p>
+            <a:pPr lvl="0"/>
+            <a:r>
+              <a:rPr/>
+              <a:t>Reflect on the topic and give your own opinion as to the answer!</a:t>
+            </a:r>
+          </a:p>
+          <a:p>
+            <a:pPr lvl="0"/>
+            <a:r>
+              <a:rPr/>
+              <a:t>Present a journey in your learning or appreciation of the topic</a:t>
+            </a:r>
+          </a:p>
+          <a:p>
+            <a:pPr lvl="0"/>
+            <a:r>
+              <a:rPr/>
+              <a:t>Ensure your answer is argued using examples</a:t>
+            </a:r>
+          </a:p>
+          <a:p>
+            <a:pPr lvl="0"/>
+            <a:r>
+              <a:rPr/>
+              <a:t>Use evidence in your argument from a range of sources, ideally do some strategic wider reading</a:t>
+            </a:r>
+          </a:p>
+          <a:p>
+            <a:pPr lvl="0"/>
+            <a:r>
+              <a:rPr/>
+              <a:t>Present and reference it well</a:t>
             </a:r>
           </a:p>
         </p:txBody>
@@ -5189,7 +5172,7 @@
             </a:pPr>
             <a:r>
               <a:rPr/>
-              <a:t>Essay 2 tips</a:t>
+              <a:t>Essay 2</a:t>
             </a:r>
           </a:p>
         </p:txBody>
@@ -5220,7 +5203,7 @@
             </a:pPr>
             <a:r>
               <a:rPr/>
-              <a:t>Explicitly identify a single initial reading and build upon that.</a:t>
+              <a:t>Essay 2 should focus on at least one of the OTHER topics covered in the course.</a:t>
             </a:r>
           </a:p>
           <a:p>
@@ -5229,7 +5212,7 @@
             </a:pPr>
             <a:r>
               <a:rPr/>
-              <a:t>Discuss a debate or issue that you think is interesting or important</a:t>
+              <a:t>This answer should focus on a primary reading associated with the lectures and then any further reading you have done (strongly encouraged).</a:t>
             </a:r>
           </a:p>
           <a:p>
@@ -5238,7 +5221,7 @@
             </a:pPr>
             <a:r>
               <a:rPr/>
-              <a:t>Give your own opinion and how this has developed or changed as a result of the lecture, the course more widely, and/or the reading.</a:t>
+              <a:t>You must identify that primary reading explicitly in the essay itself.</a:t>
             </a:r>
           </a:p>
           <a:p>
@@ -5247,7 +5230,7 @@
             </a:pPr>
             <a:r>
               <a:rPr/>
-              <a:t>Argue your opinion explicitly, own it and back it up with examples</a:t>
+              <a:t>You should not simply restate what the authors thought or found, but rather briefly summarise the point that stimulated your interest in the reading and use that as a springboard to discuss the topic or issue.</a:t>
             </a:r>
           </a:p>
           <a:p>
@@ -5256,7 +5239,7 @@
             </a:pPr>
             <a:r>
               <a:rPr/>
-              <a:t>Use evidence in your argument from a range of sources, ideally do some strategic wider reading</a:t>
+              <a:t>Think about your perspective on the issues.</a:t>
             </a:r>
           </a:p>
           <a:p>
@@ -5265,7 +5248,16 @@
             </a:pPr>
             <a:r>
               <a:rPr/>
-              <a:t>Present and reference it well</a:t>
+              <a:t>What do you think about this debate or issue? We want to know!</a:t>
+            </a:r>
+          </a:p>
+          <a:p>
+            <a:pPr lvl="0" indent="0" marL="0">
+              <a:buNone/>
+            </a:pPr>
+            <a:r>
+              <a:rPr/>
+              <a:t>And what do you think are interesting directions for psychologists to take this debate or issue in the future?</a:t>
             </a:r>
           </a:p>
         </p:txBody>
@@ -5326,7 +5318,7 @@
             </a:pPr>
             <a:r>
               <a:rPr/>
-              <a:t>Overlapping content</a:t>
+              <a:t>Essay 2 tips</a:t>
             </a:r>
           </a:p>
         </p:txBody>
@@ -5352,21 +5344,45 @@
           <a:bodyPr/>
           <a:lstStyle/>
           <a:p>
-            <a:pPr lvl="0" indent="0" marL="0">
-              <a:buNone/>
-            </a:pPr>
-            <a:r>
-              <a:rPr/>
-              <a:t>You can combine across different topics in Essay 2 (e.g., you could talk about Evolution and Consciousness, or Inclusivity and Meta Learning), and thinking about links between topics is strongly encouraged.</a:t>
-            </a:r>
-          </a:p>
-          <a:p>
-            <a:pPr lvl="0" indent="0" marL="0">
-              <a:buNone/>
-            </a:pPr>
-            <a:r>
-              <a:rPr/>
-              <a:t>However, the material covered in Essay 2 must be different from Essay 1. Students will be penalised for covering identical topics.</a:t>
+            <a:pPr lvl="0"/>
+            <a:r>
+              <a:rPr/>
+              <a:t>Explicitly identify a single initial reading and build upon that.</a:t>
+            </a:r>
+          </a:p>
+          <a:p>
+            <a:pPr lvl="0"/>
+            <a:r>
+              <a:rPr/>
+              <a:t>Discuss a debate or issue that you think is interesting or important</a:t>
+            </a:r>
+          </a:p>
+          <a:p>
+            <a:pPr lvl="0"/>
+            <a:r>
+              <a:rPr/>
+              <a:t>Give your own opinion and how this has developed or changed as a result of the lecture, the course more widely, and/or the reading.</a:t>
+            </a:r>
+          </a:p>
+          <a:p>
+            <a:pPr lvl="0"/>
+            <a:r>
+              <a:rPr/>
+              <a:t>Argue your opinion explicitly, own it and back it up with examples</a:t>
+            </a:r>
+          </a:p>
+          <a:p>
+            <a:pPr lvl="0"/>
+            <a:r>
+              <a:rPr/>
+              <a:t>Use evidence in your argument from a range of sources, ideally do some strategic wider reading</a:t>
+            </a:r>
+          </a:p>
+          <a:p>
+            <a:pPr lvl="0"/>
+            <a:r>
+              <a:rPr/>
+              <a:t>Present and reference it well</a:t>
             </a:r>
           </a:p>
         </p:txBody>
@@ -5427,7 +5443,7 @@
             </a:pPr>
             <a:r>
               <a:rPr/>
-              <a:t>Submission</a:t>
+              <a:t>Overlapping content</a:t>
             </a:r>
           </a:p>
         </p:txBody>
@@ -5458,7 +5474,7 @@
             </a:pPr>
             <a:r>
               <a:rPr/>
-              <a:t>Deadline is 10am Friday 21st April – ±3 weeks after the end of term</a:t>
+              <a:t>You can combine across different topics in Essay 2 (e.g., you could talk about Evolution and Consciousness, or Inclusivity and Meta Learning), and thinking about links between topics is strongly encouraged.</a:t>
             </a:r>
           </a:p>
           <a:p>
@@ -5467,25 +5483,7 @@
             </a:pPr>
             <a:r>
               <a:rPr/>
-              <a:t>Both answers should be written in essay-style prose (e.g., with APA references where you refer to sources) put in a single document and submitted to the coursework submission page.</a:t>
-            </a:r>
-          </a:p>
-          <a:p>
-            <a:pPr lvl="0" indent="0" marL="0">
-              <a:buNone/>
-            </a:pPr>
-            <a:r>
-              <a:rPr/>
-              <a:t>Max 700 words per answer (references not included in word count)</a:t>
-            </a:r>
-          </a:p>
-          <a:p>
-            <a:pPr lvl="0" indent="0" marL="0">
-              <a:buNone/>
-            </a:pPr>
-            <a:r>
-              <a:rPr/>
-              <a:t>Remember that this only accounts for a smaller portion of the module grade (15%). Should hopefully be an enjoyable way to reflect on issues on the course you found interesting.</a:t>
+              <a:t>However, the material covered in Essay 2 must be different from Essay 1. Students will be penalised for covering identical topics.</a:t>
             </a:r>
           </a:p>
         </p:txBody>
@@ -5496,6 +5494,252 @@
 </file>
 
 <file path=ppt/slides/slide14.xml><?xml version="1.0" encoding="utf-8"?>
+<p:sld xmlns:a="http://schemas.openxmlformats.org/drawingml/2006/main" xmlns:r="http://schemas.openxmlformats.org/officeDocument/2006/relationships" xmlns:p="http://schemas.openxmlformats.org/presentationml/2006/main">
+  <p:cSld>
+    <p:spTree>
+      <p:nvGrpSpPr>
+        <p:cNvPr id="1" name=""/>
+        <p:cNvGrpSpPr/>
+        <p:nvPr/>
+      </p:nvGrpSpPr>
+      <p:grpSpPr>
+        <a:xfrm>
+          <a:off x="0" y="0"/>
+          <a:ext cx="0" cy="0"/>
+          <a:chOff x="0" y="0"/>
+          <a:chExt cx="0" cy="0"/>
+        </a:xfrm>
+      </p:grpSpPr>
+      <p:sp>
+        <p:nvSpPr>
+          <p:cNvPr id="2" name="Title 1">
+            <a:extLst>
+              <a:ext uri="{FF2B5EF4-FFF2-40B4-BE49-F238E27FC236}">
+                <a16:creationId xmlns:a16="http://schemas.microsoft.com/office/drawing/2014/main" id="{DD9B8E45-0772-954C-8D4B-6E6808DFEDED}"/>
+              </a:ext>
+            </a:extLst>
+          </p:cNvPr>
+          <p:cNvSpPr>
+            <a:spLocks noGrp="1"/>
+          </p:cNvSpPr>
+          <p:nvPr>
+            <p:ph type="title"/>
+          </p:nvPr>
+        </p:nvSpPr>
+        <p:spPr>
+          <a:xfrm>
+            <a:off x="838200" y="365129"/>
+            <a:ext cx="10002520" cy="1325563"/>
+          </a:xfrm>
+          <a:prstGeom prst="rect">
+            <a:avLst/>
+          </a:prstGeom>
+        </p:spPr>
+        <p:txBody>
+          <a:bodyPr/>
+          <a:lstStyle/>
+          <a:p>
+            <a:pPr lvl="0" indent="0" marL="0">
+              <a:buNone/>
+            </a:pPr>
+            <a:r>
+              <a:rPr/>
+              <a:t>Submission</a:t>
+            </a:r>
+          </a:p>
+        </p:txBody>
+      </p:sp>
+      <p:sp>
+        <p:nvSpPr>
+          <p:cNvPr id="3" name="Content Placeholder 2">
+            <a:extLst>
+              <a:ext uri="{FF2B5EF4-FFF2-40B4-BE49-F238E27FC236}">
+                <a16:creationId xmlns:a16="http://schemas.microsoft.com/office/drawing/2014/main" id="{A4EB24F9-04F1-C843-9D71-56C5C024552B}"/>
+              </a:ext>
+            </a:extLst>
+          </p:cNvPr>
+          <p:cNvSpPr>
+            <a:spLocks noGrp="1"/>
+          </p:cNvSpPr>
+          <p:nvPr>
+            <p:ph idx="1"/>
+          </p:nvPr>
+        </p:nvSpPr>
+        <p:spPr/>
+        <p:txBody>
+          <a:bodyPr/>
+          <a:lstStyle/>
+          <a:p>
+            <a:pPr lvl="0" indent="0" marL="0">
+              <a:buNone/>
+            </a:pPr>
+            <a:r>
+              <a:rPr/>
+              <a:t>Deadline is 10am Friday 21st April – ±3 weeks after the end of term</a:t>
+            </a:r>
+          </a:p>
+          <a:p>
+            <a:pPr lvl="0" indent="0" marL="0">
+              <a:buNone/>
+            </a:pPr>
+            <a:r>
+              <a:rPr/>
+              <a:t>Both answers should be written in essay-style prose (e.g., with APA references where you refer to sources) put in a single document and submitted to the coursework submission page.</a:t>
+            </a:r>
+          </a:p>
+          <a:p>
+            <a:pPr lvl="0" indent="0" marL="0">
+              <a:buNone/>
+            </a:pPr>
+            <a:r>
+              <a:rPr u="sng"/>
+              <a:t>Max 700 words per answer (references not included in word count)</a:t>
+            </a:r>
+          </a:p>
+          <a:p>
+            <a:pPr lvl="0" indent="0" marL="0">
+              <a:buNone/>
+            </a:pPr>
+            <a:r>
+              <a:rPr/>
+              <a:t>Remember that this only accounts for a smaller portion of the module grade (15%). Should hopefully be an enjoyable way to reflect on issues on the course you found interesting.</a:t>
+            </a:r>
+          </a:p>
+        </p:txBody>
+      </p:sp>
+    </p:spTree>
+  </p:cSld>
+</p:sld>
+</file>
+
+<file path=ppt/slides/slide15.xml><?xml version="1.0" encoding="utf-8"?>
+<p:sld xmlns:a="http://schemas.openxmlformats.org/drawingml/2006/main" xmlns:r="http://schemas.openxmlformats.org/officeDocument/2006/relationships" xmlns:p="http://schemas.openxmlformats.org/presentationml/2006/main">
+  <p:cSld>
+    <p:spTree>
+      <p:nvGrpSpPr>
+        <p:cNvPr id="1" name=""/>
+        <p:cNvGrpSpPr/>
+        <p:nvPr/>
+      </p:nvGrpSpPr>
+      <p:grpSpPr>
+        <a:xfrm>
+          <a:off x="0" y="0"/>
+          <a:ext cx="0" cy="0"/>
+          <a:chOff x="0" y="0"/>
+          <a:chExt cx="0" cy="0"/>
+        </a:xfrm>
+      </p:grpSpPr>
+      <p:sp>
+        <p:nvSpPr>
+          <p:cNvPr id="2" name="Title 1">
+            <a:extLst>
+              <a:ext uri="{FF2B5EF4-FFF2-40B4-BE49-F238E27FC236}">
+                <a16:creationId xmlns:a16="http://schemas.microsoft.com/office/drawing/2014/main" id="{DD9B8E45-0772-954C-8D4B-6E6808DFEDED}"/>
+              </a:ext>
+            </a:extLst>
+          </p:cNvPr>
+          <p:cNvSpPr>
+            <a:spLocks noGrp="1"/>
+          </p:cNvSpPr>
+          <p:nvPr>
+            <p:ph type="title"/>
+          </p:nvPr>
+        </p:nvSpPr>
+        <p:spPr>
+          <a:xfrm>
+            <a:off x="838200" y="365129"/>
+            <a:ext cx="10002520" cy="1325563"/>
+          </a:xfrm>
+          <a:prstGeom prst="rect">
+            <a:avLst/>
+          </a:prstGeom>
+        </p:spPr>
+        <p:txBody>
+          <a:bodyPr/>
+          <a:lstStyle/>
+          <a:p>
+            <a:pPr lvl="0" indent="0" marL="0">
+              <a:buNone/>
+            </a:pPr>
+            <a:r>
+              <a:rPr/>
+              <a:t>Mini-Dissertation Reflective Account</a:t>
+            </a:r>
+          </a:p>
+        </p:txBody>
+      </p:sp>
+      <p:sp>
+        <p:nvSpPr>
+          <p:cNvPr id="3" name="Content Placeholder 2">
+            <a:extLst>
+              <a:ext uri="{FF2B5EF4-FFF2-40B4-BE49-F238E27FC236}">
+                <a16:creationId xmlns:a16="http://schemas.microsoft.com/office/drawing/2014/main" id="{A4EB24F9-04F1-C843-9D71-56C5C024552B}"/>
+              </a:ext>
+            </a:extLst>
+          </p:cNvPr>
+          <p:cNvSpPr>
+            <a:spLocks noGrp="1"/>
+          </p:cNvSpPr>
+          <p:nvPr>
+            <p:ph idx="1"/>
+          </p:nvPr>
+        </p:nvSpPr>
+        <p:spPr/>
+        <p:txBody>
+          <a:bodyPr/>
+          <a:lstStyle/>
+          <a:p>
+            <a:pPr lvl="0" indent="0" marL="0">
+              <a:buNone/>
+            </a:pPr>
+            <a:r>
+              <a:rPr/>
+              <a:t>Just a quick reminder about the </a:t>
+            </a:r>
+            <a:r>
+              <a:rPr u="sng"/>
+              <a:t>compulsory</a:t>
+            </a:r>
+            <a:r>
+              <a:rPr/>
+              <a:t> reflective account at the end of the Mini-Dissertation.</a:t>
+            </a:r>
+          </a:p>
+          <a:p>
+            <a:pPr lvl="0" indent="0" marL="0">
+              <a:buNone/>
+            </a:pPr>
+            <a:r>
+              <a:rPr/>
+              <a:t>If you do not supply this, your Mini-Dissertation is not complete and this impacts the mark.</a:t>
+            </a:r>
+          </a:p>
+          <a:p>
+            <a:pPr lvl="0" indent="0" marL="0">
+              <a:buNone/>
+            </a:pPr>
+            <a:r>
+              <a:rPr/>
+              <a:t>It is NOT an opportunity to gripe about group work, or to try to obtain favourable marks.</a:t>
+            </a:r>
+          </a:p>
+          <a:p>
+            <a:pPr lvl="0" indent="0" marL="0">
+              <a:buNone/>
+            </a:pPr>
+            <a:r>
+              <a:rPr/>
+              <a:t>It’s another opportunity to reflect on your learning journey.</a:t>
+            </a:r>
+          </a:p>
+        </p:txBody>
+      </p:sp>
+    </p:spTree>
+  </p:cSld>
+</p:sld>
+</file>
+
+<file path=ppt/slides/slide16.xml><?xml version="1.0" encoding="utf-8"?>
 <p:sld xmlns:a="http://schemas.openxmlformats.org/drawingml/2006/main" xmlns:r="http://schemas.openxmlformats.org/officeDocument/2006/relationships" xmlns:p="http://schemas.openxmlformats.org/presentationml/2006/main">
   <p:cSld>
     <p:spTree>
@@ -5547,7 +5791,7 @@
 </p:sld>
 </file>
 
-<file path=ppt/slides/slide15.xml><?xml version="1.0" encoding="utf-8"?>
+<file path=ppt/slides/slide17.xml><?xml version="1.0" encoding="utf-8"?>
 <p:sld xmlns:a="http://schemas.openxmlformats.org/drawingml/2006/main" xmlns:r="http://schemas.openxmlformats.org/officeDocument/2006/relationships" xmlns:p="http://schemas.openxmlformats.org/presentationml/2006/main">
   <p:cSld>
     <p:spTree>
@@ -5599,263 +5843,6 @@
 </p:sld>
 </file>
 
-<file path=ppt/slides/slide16.xml><?xml version="1.0" encoding="utf-8"?>
-<p:sld xmlns:a="http://schemas.openxmlformats.org/drawingml/2006/main" xmlns:r="http://schemas.openxmlformats.org/officeDocument/2006/relationships" xmlns:p="http://schemas.openxmlformats.org/presentationml/2006/main">
-  <p:cSld>
-    <p:spTree>
-      <p:nvGrpSpPr>
-        <p:cNvPr id="1" name=""/>
-        <p:cNvGrpSpPr/>
-        <p:nvPr/>
-      </p:nvGrpSpPr>
-      <p:grpSpPr>
-        <a:xfrm>
-          <a:off x="0" y="0"/>
-          <a:ext cx="0" cy="0"/>
-          <a:chOff x="0" y="0"/>
-          <a:chExt cx="0" cy="0"/>
-        </a:xfrm>
-      </p:grpSpPr>
-      <p:sp>
-        <p:nvSpPr>
-          <p:cNvPr id="2" name="Title 1">
-            <a:extLst>
-              <a:ext uri="{FF2B5EF4-FFF2-40B4-BE49-F238E27FC236}">
-                <a16:creationId xmlns:a16="http://schemas.microsoft.com/office/drawing/2014/main" id="{DD9B8E45-0772-954C-8D4B-6E6808DFEDED}"/>
-              </a:ext>
-            </a:extLst>
-          </p:cNvPr>
-          <p:cNvSpPr>
-            <a:spLocks noGrp="1"/>
-          </p:cNvSpPr>
-          <p:nvPr>
-            <p:ph type="title"/>
-          </p:nvPr>
-        </p:nvSpPr>
-        <p:spPr>
-          <a:xfrm>
-            <a:off x="838200" y="365129"/>
-            <a:ext cx="10002520" cy="1325563"/>
-          </a:xfrm>
-          <a:prstGeom prst="rect">
-            <a:avLst/>
-          </a:prstGeom>
-        </p:spPr>
-        <p:txBody>
-          <a:bodyPr/>
-          <a:lstStyle/>
-          <a:p>
-            <a:pPr lvl="0" indent="0" marL="0">
-              <a:buNone/>
-            </a:pPr>
-            <a:r>
-              <a:rPr/>
-              <a:t>Incremental content</a:t>
-            </a:r>
-          </a:p>
-        </p:txBody>
-      </p:sp>
-      <p:sp>
-        <p:nvSpPr>
-          <p:cNvPr id="3" name="Content Placeholder 2">
-            <a:extLst>
-              <a:ext uri="{FF2B5EF4-FFF2-40B4-BE49-F238E27FC236}">
-                <a16:creationId xmlns:a16="http://schemas.microsoft.com/office/drawing/2014/main" id="{A4EB24F9-04F1-C843-9D71-56C5C024552B}"/>
-              </a:ext>
-            </a:extLst>
-          </p:cNvPr>
-          <p:cNvSpPr>
-            <a:spLocks noGrp="1"/>
-          </p:cNvSpPr>
-          <p:nvPr>
-            <p:ph idx="1"/>
-          </p:nvPr>
-        </p:nvSpPr>
-        <p:spPr/>
-        <p:txBody>
-          <a:bodyPr/>
-          <a:lstStyle/>
-          <a:p>
-            <a:pPr lvl="0" indent="0" marL="0">
-              <a:buNone/>
-            </a:pPr>
-            <a:r>
-              <a:rPr i="1"/>
-              <a:t>Hi!</a:t>
-            </a:r>
-          </a:p>
-          <a:p>
-            <a:pPr lvl="0" indent="0" marL="0">
-              <a:buNone/>
-            </a:pPr>
-            <a:r>
-              <a:rPr/>
-              <a:t>. . .</a:t>
-            </a:r>
-          </a:p>
-          <a:p>
-            <a:pPr lvl="0" indent="0" marL="0">
-              <a:buNone/>
-            </a:pPr>
-            <a:r>
-              <a:rPr/>
-              <a:t>Use </a:t>
-            </a:r>
-            <a:r>
-              <a:rPr>
-                <a:latin typeface="Courier"/>
-              </a:rPr>
-              <a:t>. . .</a:t>
-            </a:r>
-            <a:r>
-              <a:rPr/>
-              <a:t> to separate content as an incremental slide!</a:t>
-            </a:r>
-          </a:p>
-          <a:p>
-            <a:pPr lvl="0" indent="0" marL="0">
-              <a:buNone/>
-            </a:pPr>
-            <a:r>
-              <a:rPr/>
-              <a:t>. . .</a:t>
-            </a:r>
-          </a:p>
-        </p:txBody>
-      </p:sp>
-    </p:spTree>
-  </p:cSld>
-</p:sld>
-</file>
-
-<file path=ppt/slides/slide17.xml><?xml version="1.0" encoding="utf-8"?>
-<p:sld xmlns:a="http://schemas.openxmlformats.org/drawingml/2006/main" xmlns:r="http://schemas.openxmlformats.org/officeDocument/2006/relationships" xmlns:p="http://schemas.openxmlformats.org/presentationml/2006/main">
-  <p:cSld>
-    <p:spTree>
-      <p:nvGrpSpPr>
-        <p:cNvPr id="1" name=""/>
-        <p:cNvGrpSpPr/>
-        <p:nvPr/>
-      </p:nvGrpSpPr>
-      <p:grpSpPr>
-        <a:xfrm>
-          <a:off x="0" y="0"/>
-          <a:ext cx="0" cy="0"/>
-          <a:chOff x="0" y="0"/>
-          <a:chExt cx="0" cy="0"/>
-        </a:xfrm>
-      </p:grpSpPr>
-      <p:sp>
-        <p:nvSpPr>
-          <p:cNvPr id="2" name="Title 1">
-            <a:extLst>
-              <a:ext uri="{FF2B5EF4-FFF2-40B4-BE49-F238E27FC236}">
-                <a16:creationId xmlns:a16="http://schemas.microsoft.com/office/drawing/2014/main" id="{DD9B8E45-0772-954C-8D4B-6E6808DFEDED}"/>
-              </a:ext>
-            </a:extLst>
-          </p:cNvPr>
-          <p:cNvSpPr>
-            <a:spLocks noGrp="1"/>
-          </p:cNvSpPr>
-          <p:nvPr>
-            <p:ph type="title"/>
-          </p:nvPr>
-        </p:nvSpPr>
-        <p:spPr>
-          <a:xfrm>
-            <a:off x="838200" y="365129"/>
-            <a:ext cx="10002520" cy="1325563"/>
-          </a:xfrm>
-          <a:prstGeom prst="rect">
-            <a:avLst/>
-          </a:prstGeom>
-        </p:spPr>
-        <p:txBody>
-          <a:bodyPr/>
-          <a:lstStyle/>
-          <a:p>
-            <a:pPr lvl="0" indent="0" marL="0">
-              <a:buNone/>
-            </a:pPr>
-            <a:r>
-              <a:rPr/>
-              <a:t>Numbers</a:t>
-            </a:r>
-          </a:p>
-        </p:txBody>
-      </p:sp>
-      <p:sp>
-        <p:nvSpPr>
-          <p:cNvPr id="3" name="Content Placeholder 2">
-            <a:extLst>
-              <a:ext uri="{FF2B5EF4-FFF2-40B4-BE49-F238E27FC236}">
-                <a16:creationId xmlns:a16="http://schemas.microsoft.com/office/drawing/2014/main" id="{A4EB24F9-04F1-C843-9D71-56C5C024552B}"/>
-              </a:ext>
-            </a:extLst>
-          </p:cNvPr>
-          <p:cNvSpPr>
-            <a:spLocks noGrp="1"/>
-          </p:cNvSpPr>
-          <p:nvPr>
-            <p:ph idx="1"/>
-          </p:nvPr>
-        </p:nvSpPr>
-        <p:spPr/>
-        <p:txBody>
-          <a:bodyPr/>
-          <a:lstStyle/>
-          <a:p>
-            <a:pPr lvl="0" indent="-257175" marL="257175">
-              <a:buAutoNum type="arabicPeriod"/>
-            </a:pPr>
-            <a:r>
-              <a:rPr b="1"/>
-              <a:t>thing 1 bold</a:t>
-            </a:r>
-          </a:p>
-          <a:p>
-            <a:pPr lvl="0" indent="-257175" marL="257175">
-              <a:buAutoNum type="arabicPeriod"/>
-            </a:pPr>
-            <a:r>
-              <a:rPr i="1"/>
-              <a:t>thing 2 ital</a:t>
-            </a:r>
-          </a:p>
-          <a:p>
-            <a:pPr lvl="0" indent="-257175" marL="257175">
-              <a:buAutoNum type="arabicPeriod"/>
-            </a:pPr>
-            <a:r>
-              <a:rPr strike="sngStrike"/>
-              <a:t>thing 3 strikeout</a:t>
-            </a:r>
-          </a:p>
-          <a:p>
-            <a:pPr lvl="0" indent="-257175" marL="257175">
-              <a:buAutoNum type="arabicPeriod"/>
-            </a:pPr>
-            <a:r>
-              <a:rPr u="sng"/>
-              <a:t>underlined</a:t>
-            </a:r>
-          </a:p>
-          <a:p>
-            <a:pPr lvl="0" indent="-257175" marL="257175">
-              <a:buAutoNum type="arabicPeriod"/>
-            </a:pPr>
-            <a:r>
-              <a:rPr/>
-              <a:t>normal</a:t>
-            </a:r>
-          </a:p>
-        </p:txBody>
-      </p:sp>
-    </p:spTree>
-  </p:cSld>
-</p:sld>
-</file>
-
 <file path=ppt/slides/slide18.xml><?xml version="1.0" encoding="utf-8"?>
 <p:sld xmlns:a="http://schemas.openxmlformats.org/drawingml/2006/main" xmlns:r="http://schemas.openxmlformats.org/officeDocument/2006/relationships" xmlns:p="http://schemas.openxmlformats.org/presentationml/2006/main">
   <p:cSld>
@@ -5907,192 +5894,7 @@
             </a:pPr>
             <a:r>
               <a:rPr/>
-              <a:t>Incremental list</a:t>
-            </a:r>
-          </a:p>
-        </p:txBody>
-      </p:sp>
-      <p:sp>
-        <p:nvSpPr>
-          <p:cNvPr id="3" name="Content Placeholder 2">
-            <a:extLst>
-              <a:ext uri="{FF2B5EF4-FFF2-40B4-BE49-F238E27FC236}">
-                <a16:creationId xmlns:a16="http://schemas.microsoft.com/office/drawing/2014/main" id="{A4EB24F9-04F1-C843-9D71-56C5C024552B}"/>
-              </a:ext>
-            </a:extLst>
-          </p:cNvPr>
-          <p:cNvSpPr>
-            <a:spLocks noGrp="1"/>
-          </p:cNvSpPr>
-          <p:nvPr>
-            <p:ph idx="1"/>
-          </p:nvPr>
-        </p:nvSpPr>
-        <p:spPr/>
-        <p:txBody>
-          <a:bodyPr/>
-          <a:lstStyle/>
-          <a:p>
-            <a:pPr lvl="0"/>
-            <a:r>
-              <a:rPr/>
-              <a:t>one</a:t>
-            </a:r>
-          </a:p>
-          <a:p>
-            <a:pPr lvl="0"/>
-            <a:r>
-              <a:rPr/>
-              <a:t>two</a:t>
-            </a:r>
-          </a:p>
-          <a:p>
-            <a:pPr lvl="0"/>
-            <a:r>
-              <a:rPr/>
-              <a:t>three</a:t>
-            </a:r>
-          </a:p>
-        </p:txBody>
-      </p:sp>
-    </p:spTree>
-  </p:cSld>
-</p:sld>
-</file>
-
-<file path=ppt/slides/slide19.xml><?xml version="1.0" encoding="utf-8"?>
-<p:sld xmlns:a="http://schemas.openxmlformats.org/drawingml/2006/main" xmlns:r="http://schemas.openxmlformats.org/officeDocument/2006/relationships" xmlns:p="http://schemas.openxmlformats.org/presentationml/2006/main">
-  <p:cSld>
-    <p:spTree>
-      <p:nvGrpSpPr>
-        <p:cNvPr id="1" name=""/>
-        <p:cNvGrpSpPr/>
-        <p:nvPr/>
-      </p:nvGrpSpPr>
-      <p:grpSpPr>
-        <a:xfrm>
-          <a:off x="0" y="0"/>
-          <a:ext cx="0" cy="0"/>
-          <a:chOff x="0" y="0"/>
-          <a:chExt cx="0" cy="0"/>
-        </a:xfrm>
-      </p:grpSpPr>
-      <p:sp>
-        <p:nvSpPr>
-          <p:cNvPr id="2" name="Title 1">
-            <a:extLst>
-              <a:ext uri="{FF2B5EF4-FFF2-40B4-BE49-F238E27FC236}">
-                <a16:creationId xmlns:a16="http://schemas.microsoft.com/office/drawing/2014/main" id="{DD9B8E45-0772-954C-8D4B-6E6808DFEDED}"/>
-              </a:ext>
-            </a:extLst>
-          </p:cNvPr>
-          <p:cNvSpPr>
-            <a:spLocks noGrp="1"/>
-          </p:cNvSpPr>
-          <p:nvPr>
-            <p:ph type="title"/>
-          </p:nvPr>
-        </p:nvSpPr>
-        <p:spPr>
-          <a:xfrm>
-            <a:off x="838200" y="365129"/>
-            <a:ext cx="10002520" cy="1325563"/>
-          </a:xfrm>
-          <a:prstGeom prst="rect">
-            <a:avLst/>
-          </a:prstGeom>
-        </p:spPr>
-        <p:txBody>
-          <a:bodyPr/>
-          <a:lstStyle/>
-          <a:p>
-            <a:pPr lvl="0" indent="0" marL="0">
-              <a:buNone/>
-            </a:pPr>
-            <a:r>
-              <a:rPr/>
-              <a:t>Print</a:t>
-            </a:r>
-          </a:p>
-        </p:txBody>
-      </p:sp>
-      <p:sp>
-        <p:nvSpPr>
-          <p:cNvPr id="3" name="Content Placeholder 2">
-            <a:extLst>
-              <a:ext uri="{FF2B5EF4-FFF2-40B4-BE49-F238E27FC236}">
-                <a16:creationId xmlns:a16="http://schemas.microsoft.com/office/drawing/2014/main" id="{A4EB24F9-04F1-C843-9D71-56C5C024552B}"/>
-              </a:ext>
-            </a:extLst>
-          </p:cNvPr>
-          <p:cNvSpPr>
-            <a:spLocks noGrp="1"/>
-          </p:cNvSpPr>
-          <p:nvPr>
-            <p:ph idx="1"/>
-          </p:nvPr>
-        </p:nvSpPr>
-        <p:spPr/>
-        <p:txBody>
-          <a:bodyPr/>
-          <a:lstStyle/>
-          <a:p>
-            <a:pPr lvl="0" indent="0">
-              <a:buNone/>
-            </a:pPr>
-            <a:r>
-              <a:rPr>
-                <a:solidFill>
-                  <a:srgbClr val="003B4F"/>
-                </a:solidFill>
-                <a:latin typeface="Courier"/>
-              </a:rPr>
-              <a:t>pagedown</a:t>
-            </a:r>
-            <a:r>
-              <a:rPr>
-                <a:solidFill>
-                  <a:srgbClr val="5E5E5E"/>
-                </a:solidFill>
-                <a:latin typeface="Courier"/>
-              </a:rPr>
-              <a:t>::</a:t>
-            </a:r>
-            <a:r>
-              <a:rPr>
-                <a:solidFill>
-                  <a:srgbClr val="4758AB"/>
-                </a:solidFill>
-                <a:latin typeface="Courier"/>
-              </a:rPr>
-              <a:t>chrome_print</a:t>
-            </a:r>
-            <a:r>
-              <a:rPr>
-                <a:solidFill>
-                  <a:srgbClr val="003B4F"/>
-                </a:solidFill>
-                <a:latin typeface="Courier"/>
-              </a:rPr>
-              <a:t>(</a:t>
-            </a:r>
-            <a:r>
-              <a:rPr>
-                <a:solidFill>
-                  <a:srgbClr val="20794D"/>
-                </a:solidFill>
-                <a:latin typeface="Courier"/>
-              </a:rPr>
-              <a:t>"path-to-file.html"</a:t>
-            </a:r>
-            <a:r>
-              <a:rPr>
-                <a:solidFill>
-                  <a:srgbClr val="003B4F"/>
-                </a:solidFill>
-                <a:latin typeface="Courier"/>
-              </a:rPr>
-              <a:t>)</a:t>
+              <a:t>Looking forward to seeing you in Labs tomorrow</a:t>
             </a:r>
           </a:p>
         </p:txBody>
@@ -6163,192 +5965,6 @@
 </p:sld>
 </file>
 
-<file path=ppt/slides/slide20.xml><?xml version="1.0" encoding="utf-8"?>
-<p:sld xmlns:a="http://schemas.openxmlformats.org/drawingml/2006/main" xmlns:r="http://schemas.openxmlformats.org/officeDocument/2006/relationships" xmlns:p="http://schemas.openxmlformats.org/presentationml/2006/main">
-  <p:cSld>
-    <p:spTree>
-      <p:nvGrpSpPr>
-        <p:cNvPr id="1" name=""/>
-        <p:cNvGrpSpPr/>
-        <p:nvPr/>
-      </p:nvGrpSpPr>
-      <p:grpSpPr>
-        <a:xfrm>
-          <a:off x="0" y="0"/>
-          <a:ext cx="0" cy="0"/>
-          <a:chOff x="0" y="0"/>
-          <a:chExt cx="0" cy="0"/>
-        </a:xfrm>
-      </p:grpSpPr>
-      <p:sp>
-        <p:nvSpPr>
-          <p:cNvPr id="2" name="Title 1">
-            <a:extLst>
-              <a:ext uri="{FF2B5EF4-FFF2-40B4-BE49-F238E27FC236}">
-                <a16:creationId xmlns:a16="http://schemas.microsoft.com/office/drawing/2014/main" id="{FF6A6CB2-D1B6-B94A-84C1-83C65423C650}"/>
-              </a:ext>
-            </a:extLst>
-          </p:cNvPr>
-          <p:cNvSpPr>
-            <a:spLocks noGrp="1"/>
-          </p:cNvSpPr>
-          <p:nvPr>
-            <p:ph type="title"/>
-          </p:nvPr>
-        </p:nvSpPr>
-        <p:spPr>
-          <a:xfrm>
-            <a:off x="831851" y="1709742"/>
-            <a:ext cx="10515600" cy="2852737"/>
-          </a:xfrm>
-          <a:prstGeom prst="rect">
-            <a:avLst/>
-          </a:prstGeom>
-        </p:spPr>
-        <p:txBody>
-          <a:bodyPr/>
-          <a:lstStyle/>
-          <a:p>
-            <a:pPr lvl="0" indent="0" marL="0">
-              <a:buNone/>
-            </a:pPr>
-            <a:r>
-              <a:rPr/>
-              <a:t>another section</a:t>
-            </a:r>
-          </a:p>
-        </p:txBody>
-      </p:sp>
-    </p:spTree>
-  </p:cSld>
-</p:sld>
-</file>
-
-<file path=ppt/slides/slide21.xml><?xml version="1.0" encoding="utf-8"?>
-<p:sld xmlns:a="http://schemas.openxmlformats.org/drawingml/2006/main" xmlns:r="http://schemas.openxmlformats.org/officeDocument/2006/relationships" xmlns:p="http://schemas.openxmlformats.org/presentationml/2006/main">
-  <p:cSld>
-    <p:spTree>
-      <p:nvGrpSpPr>
-        <p:cNvPr id="1" name=""/>
-        <p:cNvGrpSpPr/>
-        <p:nvPr/>
-      </p:nvGrpSpPr>
-      <p:grpSpPr>
-        <a:xfrm>
-          <a:off x="0" y="0"/>
-          <a:ext cx="0" cy="0"/>
-          <a:chOff x="0" y="0"/>
-          <a:chExt cx="0" cy="0"/>
-        </a:xfrm>
-      </p:grpSpPr>
-      <p:sp>
-        <p:nvSpPr>
-          <p:cNvPr id="3" name="Content Placeholder 2">
-            <a:extLst>
-              <a:ext uri="{FF2B5EF4-FFF2-40B4-BE49-F238E27FC236}">
-                <a16:creationId xmlns:a16="http://schemas.microsoft.com/office/drawing/2014/main" id="{A4EB24F9-04F1-C843-9D71-56C5C024552B}"/>
-              </a:ext>
-            </a:extLst>
-          </p:cNvPr>
-          <p:cNvSpPr>
-            <a:spLocks noGrp="1"/>
-          </p:cNvSpPr>
-          <p:nvPr>
-            <p:ph idx="1"/>
-          </p:nvPr>
-        </p:nvSpPr>
-        <p:spPr/>
-        <p:txBody>
-          <a:bodyPr/>
-          <a:lstStyle/>
-          <a:p>
-            <a:pPr lvl="0" indent="0" marL="0">
-              <a:buNone/>
-            </a:pPr>
-            <a:r>
-              <a:rPr/>
-              <a:t>Fade in</a:t>
-            </a:r>
-          </a:p>
-          <a:p>
-            <a:pPr lvl="0" indent="0" marL="0">
-              <a:buNone/>
-            </a:pPr>
-            <a:r>
-              <a:rPr/>
-              <a:t>Highlight firtst</a:t>
-            </a:r>
-          </a:p>
-          <a:p>
-            <a:pPr lvl="0" indent="0" marL="0">
-              <a:buNone/>
-            </a:pPr>
-            <a:r>
-              <a:rPr/>
-              <a:t>Highlight second</a:t>
-            </a:r>
-          </a:p>
-          <a:p>
-            <a:pPr lvl="0" indent="0" marL="0">
-              <a:buNone/>
-            </a:pPr>
-            <a:r>
-              <a:rPr/>
-              <a:t>Additional commentary.</a:t>
-            </a:r>
-          </a:p>
-          <a:p>
-            <a:pPr lvl="0" indent="0" marL="0">
-              <a:buNone/>
-            </a:pPr>
-            <a:r>
-              <a:rPr/>
-              <a:t>Highlight third</a:t>
-            </a:r>
-          </a:p>
-          <a:p>
-            <a:pPr lvl="0" indent="0" marL="0">
-              <a:buNone/>
-            </a:pPr>
-            <a:r>
-              <a:rPr/>
-              <a:t>Fade out</a:t>
-            </a:r>
-          </a:p>
-          <a:p>
-            <a:pPr lvl="0" indent="0" marL="0">
-              <a:buNone/>
-            </a:pPr>
-            <a:r>
-              <a:rPr/>
-              <a:t>Highlight red</a:t>
-            </a:r>
-          </a:p>
-          <a:p>
-            <a:pPr lvl="0" indent="0" marL="0">
-              <a:buNone/>
-            </a:pPr>
-            <a:r>
-              <a:rPr/>
-              <a:t>Fade in, then out</a:t>
-            </a:r>
-          </a:p>
-          <a:p>
-            <a:pPr lvl="0" indent="0" marL="0">
-              <a:buNone/>
-            </a:pPr>
-            <a:r>
-              <a:rPr/>
-              <a:t>Slide up while fading in</a:t>
-            </a:r>
-          </a:p>
-        </p:txBody>
-      </p:sp>
-    </p:spTree>
-  </p:cSld>
-</p:sld>
-</file>
-
 <file path=ppt/slides/slide3.xml><?xml version="1.0" encoding="utf-8"?>
 <p:sld xmlns:a="http://schemas.openxmlformats.org/drawingml/2006/main" xmlns:r="http://schemas.openxmlformats.org/officeDocument/2006/relationships" xmlns:p="http://schemas.openxmlformats.org/presentationml/2006/main">
   <p:cSld>
@@ -6656,7 +6272,7 @@
             </a:pPr>
             <a:r>
               <a:rPr/>
-              <a:t>The topics already introduced this year are:</a:t>
+              <a:t>The topics already introduced this year include:</a:t>
             </a:r>
           </a:p>
         </p:txBody>
@@ -6699,14 +6315,21 @@
             <a:pPr lvl="0"/>
             <a:r>
               <a:rPr/>
-              <a:t>Open Science</a:t>
+              <a:t>Open Science &amp; Open Practices</a:t>
             </a:r>
           </a:p>
           <a:p>
             <a:pPr lvl="0"/>
             <a:r>
               <a:rPr/>
-              <a:t>Qualitative Research</a:t>
+              <a:t>Qualitative &amp;/Versus Quantitative Research</a:t>
+            </a:r>
+          </a:p>
+          <a:p>
+            <a:pPr lvl="0"/>
+            <a:r>
+              <a:rPr/>
+              <a:t>MeSearch</a:t>
             </a:r>
           </a:p>
           <a:p>
@@ -6742,35 +6365,42 @@
             <a:pPr lvl="0"/>
             <a:r>
               <a:rPr/>
-              <a:t>What is Science?</a:t>
+              <a:t>“MyPsychology”</a:t>
             </a:r>
           </a:p>
           <a:p>
             <a:pPr lvl="0"/>
             <a:r>
               <a:rPr/>
-              <a:t>Artificial Intelligence</a:t>
+              <a:t>Ethics</a:t>
             </a:r>
           </a:p>
           <a:p>
             <a:pPr lvl="0"/>
             <a:r>
               <a:rPr/>
-              <a:t>Open Science</a:t>
+              <a:t>Psychometrics and scale development</a:t>
             </a:r>
           </a:p>
           <a:p>
             <a:pPr lvl="0"/>
             <a:r>
               <a:rPr/>
-              <a:t>Qualitative Research</a:t>
+              <a:t>Bias in research</a:t>
             </a:r>
           </a:p>
           <a:p>
             <a:pPr lvl="0"/>
             <a:r>
               <a:rPr/>
-              <a:t>Inclusivity</a:t>
+              <a:t>Replication Crisis (&amp; Theory Crisis)</a:t>
+            </a:r>
+          </a:p>
+          <a:p>
+            <a:pPr lvl="0"/>
+            <a:r>
+              <a:rPr/>
+              <a:t>Meta-cognition &amp; Reflective practice</a:t>
             </a:r>
           </a:p>
         </p:txBody>
@@ -7056,9 +6686,9 @@
                                           </p:stCondLst>
                                         </p:cTn>
                                         <p:tgtEl>
-                                          <p:spTgt spid="4">
+                                          <p:spTgt spid="3">
                                             <p:txEl>
-                                              <p:pRg st="0" end="0"/>
+                                              <p:pRg st="5" end="5"/>
                                             </p:txEl>
                                           </p:spTgt>
                                         </p:tgtEl>
@@ -7107,7 +6737,7 @@
                                         <p:tgtEl>
                                           <p:spTgt spid="4">
                                             <p:txEl>
-                                              <p:pRg st="1" end="1"/>
+                                              <p:pRg st="0" end="0"/>
                                             </p:txEl>
                                           </p:spTgt>
                                         </p:tgtEl>
@@ -7156,7 +6786,7 @@
                                         <p:tgtEl>
                                           <p:spTgt spid="4">
                                             <p:txEl>
-                                              <p:pRg st="2" end="2"/>
+                                              <p:pRg st="1" end="1"/>
                                             </p:txEl>
                                           </p:spTgt>
                                         </p:tgtEl>
@@ -7205,7 +6835,7 @@
                                         <p:tgtEl>
                                           <p:spTgt spid="4">
                                             <p:txEl>
-                                              <p:pRg st="3" end="3"/>
+                                              <p:pRg st="2" end="2"/>
                                             </p:txEl>
                                           </p:spTgt>
                                         </p:tgtEl>
@@ -7254,7 +6884,105 @@
                                         <p:tgtEl>
                                           <p:spTgt spid="4">
                                             <p:txEl>
+                                              <p:pRg st="3" end="3"/>
+                                            </p:txEl>
+                                          </p:spTgt>
+                                        </p:tgtEl>
+                                        <p:attrNameLst>
+                                          <p:attrName>style.visibility</p:attrName>
+                                        </p:attrNameLst>
+                                      </p:cBhvr>
+                                      <p:to>
+                                        <p:strVal val="visible"/>
+                                      </p:to>
+                                    </p:set>
+                                  </p:childTnLst>
+                                </p:cTn>
+                              </p:par>
+                            </p:childTnLst>
+                          </p:cTn>
+                        </p:par>
+                      </p:childTnLst>
+                    </p:cTn>
+                  </p:par>
+                  <p:par>
+                    <p:cTn id="43" fill="hold">
+                      <p:stCondLst>
+                        <p:cond delay="indefinite"/>
+                      </p:stCondLst>
+                      <p:childTnLst>
+                        <p:par>
+                          <p:cTn id="44" fill="hold">
+                            <p:stCondLst>
+                              <p:cond delay="0"/>
+                            </p:stCondLst>
+                            <p:childTnLst>
+                              <p:par>
+                                <p:cTn id="45" presetID="1" presetClass="entr" presetSubtype="0" fill="hold" grpId="0" nodeType="clickEffect">
+                                  <p:stCondLst>
+                                    <p:cond delay="0"/>
+                                  </p:stCondLst>
+                                  <p:childTnLst>
+                                    <p:set>
+                                      <p:cBhvr>
+                                        <p:cTn id="46" dur="1" fill="hold">
+                                          <p:stCondLst>
+                                            <p:cond delay="0"/>
+                                          </p:stCondLst>
+                                        </p:cTn>
+                                        <p:tgtEl>
+                                          <p:spTgt spid="4">
+                                            <p:txEl>
                                               <p:pRg st="4" end="4"/>
+                                            </p:txEl>
+                                          </p:spTgt>
+                                        </p:tgtEl>
+                                        <p:attrNameLst>
+                                          <p:attrName>style.visibility</p:attrName>
+                                        </p:attrNameLst>
+                                      </p:cBhvr>
+                                      <p:to>
+                                        <p:strVal val="visible"/>
+                                      </p:to>
+                                    </p:set>
+                                  </p:childTnLst>
+                                </p:cTn>
+                              </p:par>
+                            </p:childTnLst>
+                          </p:cTn>
+                        </p:par>
+                      </p:childTnLst>
+                    </p:cTn>
+                  </p:par>
+                  <p:par>
+                    <p:cTn id="47" fill="hold">
+                      <p:stCondLst>
+                        <p:cond delay="indefinite"/>
+                      </p:stCondLst>
+                      <p:childTnLst>
+                        <p:par>
+                          <p:cTn id="48" fill="hold">
+                            <p:stCondLst>
+                              <p:cond delay="0"/>
+                            </p:stCondLst>
+                            <p:childTnLst>
+                              <p:par>
+                                <p:cTn id="49" presetID="1" presetClass="entr" presetSubtype="0" fill="hold" grpId="0" nodeType="clickEffect">
+                                  <p:stCondLst>
+                                    <p:cond delay="0"/>
+                                  </p:stCondLst>
+                                  <p:childTnLst>
+                                    <p:set>
+                                      <p:cBhvr>
+                                        <p:cTn id="50" dur="1" fill="hold">
+                                          <p:stCondLst>
+                                            <p:cond delay="0"/>
+                                          </p:stCondLst>
+                                        </p:cTn>
+                                        <p:tgtEl>
+                                          <p:spTgt spid="4">
+                                            <p:txEl>
+                                              <p:pRg st="5" end="5"/>
                                             </p:txEl>
                                           </p:spTgt>
                                         </p:tgtEl>
@@ -7381,27 +7109,322 @@
           <a:bodyPr/>
           <a:lstStyle/>
           <a:p>
-            <a:pPr lvl="0" indent="0" marL="0">
-              <a:buNone/>
-            </a:pPr>
-            <a:r>
-              <a:rPr/>
-              <a:t>Meta-cognition and Meta-learning ## But you are welcome to choose more broadly</a:t>
-            </a:r>
-          </a:p>
-          <a:p>
-            <a:pPr lvl="0" indent="0" marL="0">
-              <a:buNone/>
-            </a:pPr>
-            <a:r>
-              <a:rPr/>
-              <a:t>::: incremental {.tight} - What is Science? - Artificial Intelligence - Open Science - Qualitative Research - Inclusivity :::</a:t>
+            <a:pPr lvl="0"/>
+            <a:r>
+              <a:rPr/>
+              <a:t>Psychology and science (available now)</a:t>
+            </a:r>
+          </a:p>
+          <a:p>
+            <a:pPr lvl="0"/>
+            <a:r>
+              <a:rPr/>
+              <a:t>Evolution and Evolutionary Psychology</a:t>
+            </a:r>
+          </a:p>
+          <a:p>
+            <a:pPr lvl="0"/>
+            <a:r>
+              <a:rPr/>
+              <a:t>Cultural Evolutionary Psychology</a:t>
+            </a:r>
+          </a:p>
+          <a:p>
+            <a:pPr lvl="0"/>
+            <a:r>
+              <a:rPr/>
+              <a:t>Philosophy of Science</a:t>
+            </a:r>
+          </a:p>
+          <a:p>
+            <a:pPr lvl="0"/>
+            <a:r>
+              <a:rPr/>
+              <a:t>Statistics and their dark history</a:t>
             </a:r>
           </a:p>
         </p:txBody>
       </p:sp>
     </p:spTree>
   </p:cSld>
+  <p:timing>
+    <p:tnLst>
+      <p:par>
+        <p:cTn id="1" dur="indefinite" restart="never" nodeType="tmRoot">
+          <p:childTnLst>
+            <p:seq concurrent="1" nextAc="seek">
+              <p:cTn id="2" dur="indefinite" nodeType="mainSeq">
+                <p:childTnLst>
+                  <p:par>
+                    <p:cTn id="3" fill="hold">
+                      <p:stCondLst>
+                        <p:cond delay="indefinite"/>
+                      </p:stCondLst>
+                      <p:childTnLst>
+                        <p:par>
+                          <p:cTn id="4" fill="hold">
+                            <p:stCondLst>
+                              <p:cond delay="0"/>
+                            </p:stCondLst>
+                            <p:childTnLst>
+                              <p:par>
+                                <p:cTn id="5" presetID="1" presetClass="entr" presetSubtype="0" fill="hold" grpId="0" nodeType="clickEffect">
+                                  <p:stCondLst>
+                                    <p:cond delay="0"/>
+                                  </p:stCondLst>
+                                  <p:childTnLst>
+                                    <p:set>
+                                      <p:cBhvr>
+                                        <p:cTn id="6" dur="1" fill="hold">
+                                          <p:stCondLst>
+                                            <p:cond delay="0"/>
+                                          </p:stCondLst>
+                                        </p:cTn>
+                                        <p:tgtEl>
+                                          <p:spTgt spid="3">
+                                            <p:txEl>
+                                              <p:pRg st="0" end="0"/>
+                                            </p:txEl>
+                                          </p:spTgt>
+                                        </p:tgtEl>
+                                        <p:attrNameLst>
+                                          <p:attrName>style.visibility</p:attrName>
+                                        </p:attrNameLst>
+                                      </p:cBhvr>
+                                      <p:to>
+                                        <p:strVal val="visible"/>
+                                      </p:to>
+                                    </p:set>
+                                  </p:childTnLst>
+                                </p:cTn>
+                              </p:par>
+                            </p:childTnLst>
+                          </p:cTn>
+                        </p:par>
+                      </p:childTnLst>
+                    </p:cTn>
+                  </p:par>
+                  <p:par>
+                    <p:cTn id="7" fill="hold">
+                      <p:stCondLst>
+                        <p:cond delay="indefinite"/>
+                      </p:stCondLst>
+                      <p:childTnLst>
+                        <p:par>
+                          <p:cTn id="8" fill="hold">
+                            <p:stCondLst>
+                              <p:cond delay="0"/>
+                            </p:stCondLst>
+                            <p:childTnLst>
+                              <p:par>
+                                <p:cTn id="9" presetID="1" presetClass="entr" presetSubtype="0" fill="hold" grpId="0" nodeType="clickEffect">
+                                  <p:stCondLst>
+                                    <p:cond delay="0"/>
+                                  </p:stCondLst>
+                                  <p:childTnLst>
+                                    <p:set>
+                                      <p:cBhvr>
+                                        <p:cTn id="10" dur="1" fill="hold">
+                                          <p:stCondLst>
+                                            <p:cond delay="0"/>
+                                          </p:stCondLst>
+                                        </p:cTn>
+                                        <p:tgtEl>
+                                          <p:spTgt spid="3">
+                                            <p:txEl>
+                                              <p:pRg st="1" end="1"/>
+                                            </p:txEl>
+                                          </p:spTgt>
+                                        </p:tgtEl>
+                                        <p:attrNameLst>
+                                          <p:attrName>style.visibility</p:attrName>
+                                        </p:attrNameLst>
+                                      </p:cBhvr>
+                                      <p:to>
+                                        <p:strVal val="visible"/>
+                                      </p:to>
+                                    </p:set>
+                                  </p:childTnLst>
+                                </p:cTn>
+                              </p:par>
+                            </p:childTnLst>
+                          </p:cTn>
+                        </p:par>
+                      </p:childTnLst>
+                    </p:cTn>
+                  </p:par>
+                  <p:par>
+                    <p:cTn id="11" fill="hold">
+                      <p:stCondLst>
+                        <p:cond delay="indefinite"/>
+                      </p:stCondLst>
+                      <p:childTnLst>
+                        <p:par>
+                          <p:cTn id="12" fill="hold">
+                            <p:stCondLst>
+                              <p:cond delay="0"/>
+                            </p:stCondLst>
+                            <p:childTnLst>
+                              <p:par>
+                                <p:cTn id="13" presetID="1" presetClass="entr" presetSubtype="0" fill="hold" grpId="0" nodeType="clickEffect">
+                                  <p:stCondLst>
+                                    <p:cond delay="0"/>
+                                  </p:stCondLst>
+                                  <p:childTnLst>
+                                    <p:set>
+                                      <p:cBhvr>
+                                        <p:cTn id="14" dur="1" fill="hold">
+                                          <p:stCondLst>
+                                            <p:cond delay="0"/>
+                                          </p:stCondLst>
+                                        </p:cTn>
+                                        <p:tgtEl>
+                                          <p:spTgt spid="3">
+                                            <p:txEl>
+                                              <p:pRg st="2" end="2"/>
+                                            </p:txEl>
+                                          </p:spTgt>
+                                        </p:tgtEl>
+                                        <p:attrNameLst>
+                                          <p:attrName>style.visibility</p:attrName>
+                                        </p:attrNameLst>
+                                      </p:cBhvr>
+                                      <p:to>
+                                        <p:strVal val="visible"/>
+                                      </p:to>
+                                    </p:set>
+                                  </p:childTnLst>
+                                </p:cTn>
+                              </p:par>
+                            </p:childTnLst>
+                          </p:cTn>
+                        </p:par>
+                      </p:childTnLst>
+                    </p:cTn>
+                  </p:par>
+                  <p:par>
+                    <p:cTn id="15" fill="hold">
+                      <p:stCondLst>
+                        <p:cond delay="indefinite"/>
+                      </p:stCondLst>
+                      <p:childTnLst>
+                        <p:par>
+                          <p:cTn id="16" fill="hold">
+                            <p:stCondLst>
+                              <p:cond delay="0"/>
+                            </p:stCondLst>
+                            <p:childTnLst>
+                              <p:par>
+                                <p:cTn id="17" presetID="1" presetClass="entr" presetSubtype="0" fill="hold" grpId="0" nodeType="clickEffect">
+                                  <p:stCondLst>
+                                    <p:cond delay="0"/>
+                                  </p:stCondLst>
+                                  <p:childTnLst>
+                                    <p:set>
+                                      <p:cBhvr>
+                                        <p:cTn id="18" dur="1" fill="hold">
+                                          <p:stCondLst>
+                                            <p:cond delay="0"/>
+                                          </p:stCondLst>
+                                        </p:cTn>
+                                        <p:tgtEl>
+                                          <p:spTgt spid="3">
+                                            <p:txEl>
+                                              <p:pRg st="3" end="3"/>
+                                            </p:txEl>
+                                          </p:spTgt>
+                                        </p:tgtEl>
+                                        <p:attrNameLst>
+                                          <p:attrName>style.visibility</p:attrName>
+                                        </p:attrNameLst>
+                                      </p:cBhvr>
+                                      <p:to>
+                                        <p:strVal val="visible"/>
+                                      </p:to>
+                                    </p:set>
+                                  </p:childTnLst>
+                                </p:cTn>
+                              </p:par>
+                            </p:childTnLst>
+                          </p:cTn>
+                        </p:par>
+                      </p:childTnLst>
+                    </p:cTn>
+                  </p:par>
+                  <p:par>
+                    <p:cTn id="19" fill="hold">
+                      <p:stCondLst>
+                        <p:cond delay="indefinite"/>
+                      </p:stCondLst>
+                      <p:childTnLst>
+                        <p:par>
+                          <p:cTn id="20" fill="hold">
+                            <p:stCondLst>
+                              <p:cond delay="0"/>
+                            </p:stCondLst>
+                            <p:childTnLst>
+                              <p:par>
+                                <p:cTn id="21" presetID="1" presetClass="entr" presetSubtype="0" fill="hold" grpId="0" nodeType="clickEffect">
+                                  <p:stCondLst>
+                                    <p:cond delay="0"/>
+                                  </p:stCondLst>
+                                  <p:childTnLst>
+                                    <p:set>
+                                      <p:cBhvr>
+                                        <p:cTn id="22" dur="1" fill="hold">
+                                          <p:stCondLst>
+                                            <p:cond delay="0"/>
+                                          </p:stCondLst>
+                                        </p:cTn>
+                                        <p:tgtEl>
+                                          <p:spTgt spid="3">
+                                            <p:txEl>
+                                              <p:pRg st="4" end="4"/>
+                                            </p:txEl>
+                                          </p:spTgt>
+                                        </p:tgtEl>
+                                        <p:attrNameLst>
+                                          <p:attrName>style.visibility</p:attrName>
+                                        </p:attrNameLst>
+                                      </p:cBhvr>
+                                      <p:to>
+                                        <p:strVal val="visible"/>
+                                      </p:to>
+                                    </p:set>
+                                  </p:childTnLst>
+                                </p:cTn>
+                              </p:par>
+                            </p:childTnLst>
+                          </p:cTn>
+                        </p:par>
+                      </p:childTnLst>
+                    </p:cTn>
+                  </p:par>
+                </p:childTnLst>
+              </p:cTn>
+              <p:prevCondLst>
+                <p:cond evt="onPrev" delay="0">
+                  <p:tgtEl>
+                    <p:sldTgt/>
+                  </p:tgtEl>
+                </p:cond>
+              </p:prevCondLst>
+              <p:nextCondLst>
+                <p:cond evt="onNext" delay="0">
+                  <p:tgtEl>
+                    <p:sldTgt/>
+                  </p:tgtEl>
+                </p:cond>
+              </p:nextCondLst>
+            </p:seq>
+          </p:childTnLst>
+        </p:cTn>
+      </p:par>
+    </p:tnLst>
+    <p:bldLst>
+      <p:bldP spid="3" grpId="0" uiExpand="1" build="p"/>
+    </p:bldLst>
+  </p:timing>
 </p:sld>
 </file>
 
@@ -7456,7 +7479,7 @@
             </a:pPr>
             <a:r>
               <a:rPr/>
-              <a:t>Assessment</a:t>
+              <a:t>But you are welcome to choose more broadly:</a:t>
             </a:r>
           </a:p>
         </p:txBody>
@@ -7482,65 +7505,24 @@
           <a:bodyPr/>
           <a:lstStyle/>
           <a:p>
-            <a:pPr lvl="0" indent="0" marL="0">
-              <a:buNone/>
-            </a:pPr>
-            <a:r>
-              <a:rPr/>
-              <a:t>Coursework designed to allow you to engage reflexively with the ‘big picture’ of your degree</a:t>
-            </a:r>
-          </a:p>
-          <a:p>
-            <a:pPr lvl="0" indent="0" marL="0">
-              <a:buNone/>
-            </a:pPr>
-            <a:r>
-              <a:rPr/>
-              <a:t>Think about how these issues link into psychology as a discipline, and how they relate to your own thoughts about what psychology is or should be</a:t>
-            </a:r>
-          </a:p>
-          <a:p>
-            <a:pPr lvl="0" indent="0" marL="0">
-              <a:buNone/>
-            </a:pPr>
-            <a:r>
-              <a:rPr/>
-              <a:t>Two essays of </a:t>
-            </a:r>
-            <a:r>
-              <a:rPr b="1"/>
-              <a:t>max</a:t>
-            </a:r>
-            <a:r>
-              <a:rPr/>
-              <a:t> 700 words each</a:t>
-            </a:r>
-          </a:p>
-          <a:p>
-            <a:pPr lvl="0" indent="0" marL="0">
-              <a:buNone/>
-            </a:pPr>
-            <a:r>
-              <a:rPr/>
-              <a:t>Marks are awarded for reflection, evidence of learning and bring topics together. Please see marking criteria for both essays.</a:t>
-            </a:r>
-          </a:p>
-          <a:p>
-            <a:pPr lvl="0" indent="0" marL="0">
-              <a:buNone/>
-            </a:pPr>
-            <a:r>
-              <a:rPr/>
-              <a:t>Not looking for a restatement of the facts in the lectures etc.</a:t>
-            </a:r>
-          </a:p>
-          <a:p>
-            <a:pPr lvl="0" indent="0" marL="0">
-              <a:buNone/>
-            </a:pPr>
-            <a:r>
-              <a:rPr/>
-              <a:t>They are designed to be personal and reflective – embrace this aspect!</a:t>
+            <a:pPr lvl="0"/>
+            <a:r>
+              <a:rPr/>
+              <a:t>If you can argue that your choice of topic meets the brief</a:t>
+            </a:r>
+          </a:p>
+          <a:p>
+            <a:pPr lvl="0"/>
+            <a:r>
+              <a:rPr/>
+              <a:t>AND you deal with the topic in line with the rubric</a:t>
+            </a:r>
+          </a:p>
+          <a:p>
+            <a:pPr lvl="0"/>
+            <a:r>
+              <a:rPr/>
+              <a:t>You are welcome to email me and confirm suitability</a:t>
             </a:r>
           </a:p>
         </p:txBody>
@@ -7601,7 +7583,7 @@
             </a:pPr>
             <a:r>
               <a:rPr/>
-              <a:t>Essay 1</a:t>
+              <a:t>Assessment</a:t>
             </a:r>
           </a:p>
         </p:txBody>
@@ -7632,7 +7614,7 @@
             </a:pPr>
             <a:r>
               <a:rPr/>
-              <a:t>Essay 1 is based on the content of ONE of the FOUR topics and should adopt at least two of the following 6 ‘perspectives’.</a:t>
+              <a:t>Coursework is designed to allow you to engage with the ‘big picture’ of your degree</a:t>
             </a:r>
           </a:p>
           <a:p>
@@ -7641,7 +7623,7 @@
             </a:pPr>
             <a:r>
               <a:rPr/>
-              <a:t>STU - Your interests or experience as a student of psychology</a:t>
+              <a:t>Think about how these issues link into psychology as a discipline, and how they relate to your own thoughts about what psychology is or should be</a:t>
             </a:r>
           </a:p>
           <a:p>
@@ -7650,7 +7632,15 @@
             </a:pPr>
             <a:r>
               <a:rPr/>
-              <a:t>TRN - Your role as a trainee psychologist</a:t>
+              <a:t>Two essays of </a:t>
+            </a:r>
+            <a:r>
+              <a:rPr b="1"/>
+              <a:t>max</a:t>
+            </a:r>
+            <a:r>
+              <a:rPr/>
+              <a:t> 700 words each</a:t>
             </a:r>
           </a:p>
           <a:p>
@@ -7659,7 +7649,7 @@
             </a:pPr>
             <a:r>
               <a:rPr/>
-              <a:t>RES - A planned research project in or after your degree</a:t>
+              <a:t>Marks are awarded for reflection, evidence of learning and bring topics together. Please see marking criteria for both essays.</a:t>
             </a:r>
           </a:p>
           <a:p>
@@ -7668,7 +7658,7 @@
             </a:pPr>
             <a:r>
               <a:rPr/>
-              <a:t>HIS - The history of Psychology and related disciplines;</a:t>
+              <a:t>Not a regurgitation of facts.</a:t>
             </a:r>
           </a:p>
           <a:p>
@@ -7677,16 +7667,7 @@
             </a:pPr>
             <a:r>
               <a:rPr/>
-              <a:t>PRA - Reporting on the Practice or Culture of Psychology;</a:t>
-            </a:r>
-          </a:p>
-          <a:p>
-            <a:pPr lvl="0" indent="0" marL="0">
-              <a:buNone/>
-            </a:pPr>
-            <a:r>
-              <a:rPr/>
-              <a:t>SCI - Assumptions about science and how it relates to psychology</a:t>
+              <a:t>They are designed to be personal and reflective – embrace this aspect!</a:t>
             </a:r>
           </a:p>
         </p:txBody>
@@ -7747,7 +7728,7 @@
             </a:pPr>
             <a:r>
               <a:rPr/>
-              <a:t>Essay 1 tips</a:t>
+              <a:t>Essay 1</a:t>
             </a:r>
           </a:p>
         </p:txBody>
@@ -7778,7 +7759,7 @@
             </a:pPr>
             <a:r>
               <a:rPr/>
-              <a:t>Ask a specific question – and answer it.</a:t>
+              <a:t>Essay 1 is based on the content of ONE of the FOUR topics and should adopt at least two of the following 6 ‘perspectives’.</a:t>
             </a:r>
           </a:p>
           <a:p>
@@ -7787,7 +7768,7 @@
             </a:pPr>
             <a:r>
               <a:rPr/>
-              <a:t>Intro, body, conclusion structure.</a:t>
+              <a:t>STU - Your interests or experience as a student of psychology;</a:t>
             </a:r>
           </a:p>
           <a:p>
@@ -7796,7 +7777,7 @@
             </a:pPr>
             <a:r>
               <a:rPr/>
-              <a:t>Reflect on the topic and give your own opinion as to the answer!</a:t>
+              <a:t>TRN - Your role as a trainee psychologist;</a:t>
             </a:r>
           </a:p>
           <a:p>
@@ -7805,7 +7786,7 @@
             </a:pPr>
             <a:r>
               <a:rPr/>
-              <a:t>Present a journey in your learning or appreciation of the topic</a:t>
+              <a:t>RES - A planned research project in or after your degree;</a:t>
             </a:r>
           </a:p>
           <a:p>
@@ -7814,7 +7795,7 @@
             </a:pPr>
             <a:r>
               <a:rPr/>
-              <a:t>Ensure your answer is argued using examples</a:t>
+              <a:t>HIS - The history of Psychology and related disciplines;</a:t>
             </a:r>
           </a:p>
           <a:p>
@@ -7823,7 +7804,7 @@
             </a:pPr>
             <a:r>
               <a:rPr/>
-              <a:t>Use evidence in your argument from a range of sources, ideally do some strategic wider reading</a:t>
+              <a:t>PRA - Reporting on the Practice or Culture of Psychology;</a:t>
             </a:r>
           </a:p>
           <a:p>
@@ -7832,7 +7813,7 @@
             </a:pPr>
             <a:r>
               <a:rPr/>
-              <a:t>Present and reference it well</a:t>
+              <a:t>SCI - Assumptions about science and how it relates to psychology</a:t>
             </a:r>
           </a:p>
         </p:txBody>
